--- a/final_report/graphics/wsn_concentrator_bug.pptx
+++ b/final_report/graphics/wsn_concentrator_bug.pptx
@@ -2,12 +2,12 @@
 <file path=ppt/presentation.xml><?xml version="1.0" encoding="utf-8"?>
 <p:presentation xmlns:a="http://schemas.openxmlformats.org/drawingml/2006/main" xmlns:r="http://schemas.openxmlformats.org/officeDocument/2006/relationships" xmlns:p="http://schemas.openxmlformats.org/presentationml/2006/main" saveSubsetFonts="1">
   <p:sldMasterIdLst>
-    <p:sldMasterId id="2147483660" r:id="rId1"/>
+    <p:sldMasterId id="2147483672" r:id="rId1"/>
   </p:sldMasterIdLst>
   <p:sldIdLst>
     <p:sldId id="256" r:id="rId2"/>
   </p:sldIdLst>
-  <p:sldSz cx="9144000" cy="6858000" type="screen4x3"/>
+  <p:sldSz cx="7315200" cy="5486400" type="B5JIS"/>
   <p:notesSz cx="6858000" cy="9144000"/>
   <p:defaultTextStyle>
     <a:defPPr>
@@ -107,12 +107,12 @@
   <p:extLst>
     <p:ext uri="{EFAFB233-063F-42B5-8137-9DF3F51BA10A}">
       <p15:sldGuideLst xmlns:p15="http://schemas.microsoft.com/office/powerpoint/2012/main">
-        <p15:guide id="1" orient="horz" pos="2160" userDrawn="1">
+        <p15:guide id="1" orient="horz" pos="1728" userDrawn="1">
           <p15:clr>
             <a:srgbClr val="A4A3A4"/>
           </p15:clr>
         </p15:guide>
-        <p15:guide id="2" pos="2880" userDrawn="1">
+        <p15:guide id="2" pos="2304" userDrawn="1">
           <p15:clr>
             <a:srgbClr val="A4A3A4"/>
           </p15:clr>
@@ -203,7 +203,7 @@
           </ac:spMkLst>
         </pc:spChg>
         <pc:spChg chg="add del mod">
-          <ac:chgData name="Milijana Surbatovich" userId="34f022815c94af0f" providerId="LiveId" clId="{371769D0-07FD-4D4E-811E-0B341DE6B6FB}" dt="2018-04-23T13:22:26.526" v="737"/>
+          <ac:chgData name="Milijana Surbatovich" userId="34f022815c94af0f" providerId="LiveId" clId="{371769D0-07FD-4D4E-811E-0B341DE6B6FB}" dt="2018-04-23T13:22:26.526" v="737" actId="14100"/>
           <ac:spMkLst>
             <pc:docMk/>
             <pc:sldMk cId="169634896" sldId="256"/>
@@ -256,6 +256,254 @@
             <pc:docMk/>
             <pc:sldMk cId="169634896" sldId="256"/>
             <ac:cxnSpMk id="13" creationId="{7FB2A926-683E-4B0A-9A35-EF9EAED66C3B}"/>
+          </ac:cxnSpMkLst>
+        </pc:cxnChg>
+      </pc:sldChg>
+    </pc:docChg>
+  </pc:docChgLst>
+  <pc:docChgLst>
+    <pc:chgData name="Milijana Surbatovich" userId="34f022815c94af0f" providerId="LiveId" clId="{55FAA4E7-EEE4-457E-9090-E840BC2AB20C}"/>
+    <pc:docChg chg="custSel modSld">
+      <pc:chgData name="Milijana Surbatovich" userId="34f022815c94af0f" providerId="LiveId" clId="{55FAA4E7-EEE4-457E-9090-E840BC2AB20C}" dt="2018-05-07T19:14:43.041" v="33" actId="478"/>
+      <pc:docMkLst>
+        <pc:docMk/>
+      </pc:docMkLst>
+      <pc:sldChg chg="addSp delSp modSp">
+        <pc:chgData name="Milijana Surbatovich" userId="34f022815c94af0f" providerId="LiveId" clId="{55FAA4E7-EEE4-457E-9090-E840BC2AB20C}" dt="2018-05-07T19:14:43.041" v="33" actId="478"/>
+        <pc:sldMkLst>
+          <pc:docMk/>
+          <pc:sldMk cId="169634896" sldId="256"/>
+        </pc:sldMkLst>
+        <pc:spChg chg="del">
+          <ac:chgData name="Milijana Surbatovich" userId="34f022815c94af0f" providerId="LiveId" clId="{55FAA4E7-EEE4-457E-9090-E840BC2AB20C}" dt="2018-05-07T18:57:12.340" v="0" actId="478"/>
+          <ac:spMkLst>
+            <pc:docMk/>
+            <pc:sldMk cId="169634896" sldId="256"/>
+            <ac:spMk id="4" creationId="{4E936606-F1B2-4456-AB69-711456B503DF}"/>
+          </ac:spMkLst>
+        </pc:spChg>
+        <pc:spChg chg="del">
+          <ac:chgData name="Milijana Surbatovich" userId="34f022815c94af0f" providerId="LiveId" clId="{55FAA4E7-EEE4-457E-9090-E840BC2AB20C}" dt="2018-05-07T18:57:12.340" v="0" actId="478"/>
+          <ac:spMkLst>
+            <pc:docMk/>
+            <pc:sldMk cId="169634896" sldId="256"/>
+            <ac:spMk id="5" creationId="{642E80F8-A808-489E-8FB1-293379AC7E77}"/>
+          </ac:spMkLst>
+        </pc:spChg>
+        <pc:spChg chg="del">
+          <ac:chgData name="Milijana Surbatovich" userId="34f022815c94af0f" providerId="LiveId" clId="{55FAA4E7-EEE4-457E-9090-E840BC2AB20C}" dt="2018-05-07T18:57:12.340" v="0" actId="478"/>
+          <ac:spMkLst>
+            <pc:docMk/>
+            <pc:sldMk cId="169634896" sldId="256"/>
+            <ac:spMk id="11" creationId="{47BAB675-06BD-4A31-ADD7-34F0B9307E64}"/>
+          </ac:spMkLst>
+        </pc:spChg>
+        <pc:spChg chg="del">
+          <ac:chgData name="Milijana Surbatovich" userId="34f022815c94af0f" providerId="LiveId" clId="{55FAA4E7-EEE4-457E-9090-E840BC2AB20C}" dt="2018-05-07T18:57:12.340" v="0" actId="478"/>
+          <ac:spMkLst>
+            <pc:docMk/>
+            <pc:sldMk cId="169634896" sldId="256"/>
+            <ac:spMk id="15" creationId="{47829C96-FF67-4A53-939E-9223E8B51F68}"/>
+          </ac:spMkLst>
+        </pc:spChg>
+        <pc:spChg chg="del">
+          <ac:chgData name="Milijana Surbatovich" userId="34f022815c94af0f" providerId="LiveId" clId="{55FAA4E7-EEE4-457E-9090-E840BC2AB20C}" dt="2018-05-07T18:57:12.340" v="0" actId="478"/>
+          <ac:spMkLst>
+            <pc:docMk/>
+            <pc:sldMk cId="169634896" sldId="256"/>
+            <ac:spMk id="16" creationId="{8A8BFFBE-3128-4481-8EC9-78FF1DF26DD2}"/>
+          </ac:spMkLst>
+        </pc:spChg>
+        <pc:spChg chg="del">
+          <ac:chgData name="Milijana Surbatovich" userId="34f022815c94af0f" providerId="LiveId" clId="{55FAA4E7-EEE4-457E-9090-E840BC2AB20C}" dt="2018-05-07T18:57:12.340" v="0" actId="478"/>
+          <ac:spMkLst>
+            <pc:docMk/>
+            <pc:sldMk cId="169634896" sldId="256"/>
+            <ac:spMk id="17" creationId="{D28681A7-EF51-4837-920A-2987BB4798C6}"/>
+          </ac:spMkLst>
+        </pc:spChg>
+        <pc:spChg chg="del">
+          <ac:chgData name="Milijana Surbatovich" userId="34f022815c94af0f" providerId="LiveId" clId="{55FAA4E7-EEE4-457E-9090-E840BC2AB20C}" dt="2018-05-07T18:57:12.340" v="0" actId="478"/>
+          <ac:spMkLst>
+            <pc:docMk/>
+            <pc:sldMk cId="169634896" sldId="256"/>
+            <ac:spMk id="18" creationId="{B0C4D2CA-EC65-40E8-B175-96E960B3FB19}"/>
+          </ac:spMkLst>
+        </pc:spChg>
+        <pc:spChg chg="add mod">
+          <ac:chgData name="Milijana Surbatovich" userId="34f022815c94af0f" providerId="LiveId" clId="{55FAA4E7-EEE4-457E-9090-E840BC2AB20C}" dt="2018-05-07T18:58:57.370" v="17" actId="14100"/>
+          <ac:spMkLst>
+            <pc:docMk/>
+            <pc:sldMk cId="169634896" sldId="256"/>
+            <ac:spMk id="19" creationId="{B01D26C9-34FF-4217-A79B-A7D1B5916823}"/>
+          </ac:spMkLst>
+        </pc:spChg>
+        <pc:spChg chg="del">
+          <ac:chgData name="Milijana Surbatovich" userId="34f022815c94af0f" providerId="LiveId" clId="{55FAA4E7-EEE4-457E-9090-E840BC2AB20C}" dt="2018-05-07T18:57:12.340" v="0" actId="478"/>
+          <ac:spMkLst>
+            <pc:docMk/>
+            <pc:sldMk cId="169634896" sldId="256"/>
+            <ac:spMk id="20" creationId="{C08DE86E-F53D-4B10-9778-144F10C4BC45}"/>
+          </ac:spMkLst>
+        </pc:spChg>
+        <pc:spChg chg="del">
+          <ac:chgData name="Milijana Surbatovich" userId="34f022815c94af0f" providerId="LiveId" clId="{55FAA4E7-EEE4-457E-9090-E840BC2AB20C}" dt="2018-05-07T18:57:12.340" v="0" actId="478"/>
+          <ac:spMkLst>
+            <pc:docMk/>
+            <pc:sldMk cId="169634896" sldId="256"/>
+            <ac:spMk id="23" creationId="{6BE8990E-BF89-4CAF-A8EA-D72B15954A42}"/>
+          </ac:spMkLst>
+        </pc:spChg>
+        <pc:spChg chg="add mod">
+          <ac:chgData name="Milijana Surbatovich" userId="34f022815c94af0f" providerId="LiveId" clId="{55FAA4E7-EEE4-457E-9090-E840BC2AB20C}" dt="2018-05-07T18:58:49.541" v="16" actId="1076"/>
+          <ac:spMkLst>
+            <pc:docMk/>
+            <pc:sldMk cId="169634896" sldId="256"/>
+            <ac:spMk id="24" creationId="{3642F23E-F24F-4864-BB39-D1B3116462D7}"/>
+          </ac:spMkLst>
+        </pc:spChg>
+        <pc:spChg chg="add mod">
+          <ac:chgData name="Milijana Surbatovich" userId="34f022815c94af0f" providerId="LiveId" clId="{55FAA4E7-EEE4-457E-9090-E840BC2AB20C}" dt="2018-05-07T18:59:34.049" v="20" actId="14100"/>
+          <ac:spMkLst>
+            <pc:docMk/>
+            <pc:sldMk cId="169634896" sldId="256"/>
+            <ac:spMk id="25" creationId="{65528F98-0735-441E-9192-03B0BE9B876F}"/>
+          </ac:spMkLst>
+        </pc:spChg>
+        <pc:spChg chg="add mod">
+          <ac:chgData name="Milijana Surbatovich" userId="34f022815c94af0f" providerId="LiveId" clId="{55FAA4E7-EEE4-457E-9090-E840BC2AB20C}" dt="2018-05-07T18:59:02.150" v="18" actId="1076"/>
+          <ac:spMkLst>
+            <pc:docMk/>
+            <pc:sldMk cId="169634896" sldId="256"/>
+            <ac:spMk id="26" creationId="{B0DD9B80-7988-434D-9409-8DFBD3B8C352}"/>
+          </ac:spMkLst>
+        </pc:spChg>
+        <pc:spChg chg="del">
+          <ac:chgData name="Milijana Surbatovich" userId="34f022815c94af0f" providerId="LiveId" clId="{55FAA4E7-EEE4-457E-9090-E840BC2AB20C}" dt="2018-05-07T18:57:12.340" v="0" actId="478"/>
+          <ac:spMkLst>
+            <pc:docMk/>
+            <pc:sldMk cId="169634896" sldId="256"/>
+            <ac:spMk id="27" creationId="{9E59C91D-4185-4CAD-9CAA-AC809C1E820F}"/>
+          </ac:spMkLst>
+        </pc:spChg>
+        <pc:spChg chg="add mod">
+          <ac:chgData name="Milijana Surbatovich" userId="34f022815c94af0f" providerId="LiveId" clId="{55FAA4E7-EEE4-457E-9090-E840BC2AB20C}" dt="2018-05-07T19:00:36.036" v="28" actId="1076"/>
+          <ac:spMkLst>
+            <pc:docMk/>
+            <pc:sldMk cId="169634896" sldId="256"/>
+            <ac:spMk id="28" creationId="{AEB903A4-684B-48F9-81DF-2E1F4C0ED098}"/>
+          </ac:spMkLst>
+        </pc:spChg>
+        <pc:spChg chg="add mod">
+          <ac:chgData name="Milijana Surbatovich" userId="34f022815c94af0f" providerId="LiveId" clId="{55FAA4E7-EEE4-457E-9090-E840BC2AB20C}" dt="2018-05-07T18:59:49.794" v="22" actId="1076"/>
+          <ac:spMkLst>
+            <pc:docMk/>
+            <pc:sldMk cId="169634896" sldId="256"/>
+            <ac:spMk id="29" creationId="{3FF4FDB3-F69E-47CE-97E9-BDEDBFE3721F}"/>
+          </ac:spMkLst>
+        </pc:spChg>
+        <pc:spChg chg="add mod">
+          <ac:chgData name="Milijana Surbatovich" userId="34f022815c94af0f" providerId="LiveId" clId="{55FAA4E7-EEE4-457E-9090-E840BC2AB20C}" dt="2018-05-07T18:59:55.316" v="23" actId="1076"/>
+          <ac:spMkLst>
+            <pc:docMk/>
+            <pc:sldMk cId="169634896" sldId="256"/>
+            <ac:spMk id="31" creationId="{86E1AE32-B2BB-40C8-92E8-C91EEABF8E63}"/>
+          </ac:spMkLst>
+        </pc:spChg>
+        <pc:spChg chg="add mod">
+          <ac:chgData name="Milijana Surbatovich" userId="34f022815c94af0f" providerId="LiveId" clId="{55FAA4E7-EEE4-457E-9090-E840BC2AB20C}" dt="2018-05-07T19:00:58.749" v="31" actId="1076"/>
+          <ac:spMkLst>
+            <pc:docMk/>
+            <pc:sldMk cId="169634896" sldId="256"/>
+            <ac:spMk id="32" creationId="{54EA6BC5-78B0-45EA-8080-5C20D6185B6B}"/>
+          </ac:spMkLst>
+        </pc:spChg>
+        <pc:spChg chg="add mod">
+          <ac:chgData name="Milijana Surbatovich" userId="34f022815c94af0f" providerId="LiveId" clId="{55FAA4E7-EEE4-457E-9090-E840BC2AB20C}" dt="2018-05-07T19:00:58.749" v="31" actId="1076"/>
+          <ac:spMkLst>
+            <pc:docMk/>
+            <pc:sldMk cId="169634896" sldId="256"/>
+            <ac:spMk id="34" creationId="{1EE57158-1274-45C7-806C-97DD7508C878}"/>
+          </ac:spMkLst>
+        </pc:spChg>
+        <pc:spChg chg="add mod">
+          <ac:chgData name="Milijana Surbatovich" userId="34f022815c94af0f" providerId="LiveId" clId="{55FAA4E7-EEE4-457E-9090-E840BC2AB20C}" dt="2018-05-07T19:00:49.315" v="30" actId="1076"/>
+          <ac:spMkLst>
+            <pc:docMk/>
+            <pc:sldMk cId="169634896" sldId="256"/>
+            <ac:spMk id="35" creationId="{4A2CE1EF-8A89-46D1-9093-40C2B9CD4CF1}"/>
+          </ac:spMkLst>
+        </pc:spChg>
+        <pc:spChg chg="add del mod">
+          <ac:chgData name="Milijana Surbatovich" userId="34f022815c94af0f" providerId="LiveId" clId="{55FAA4E7-EEE4-457E-9090-E840BC2AB20C}" dt="2018-05-07T19:14:43.041" v="33" actId="478"/>
+          <ac:spMkLst>
+            <pc:docMk/>
+            <pc:sldMk cId="169634896" sldId="256"/>
+            <ac:spMk id="36" creationId="{3E886246-504B-4F90-80E0-B91AAE879D9D}"/>
+          </ac:spMkLst>
+        </pc:spChg>
+        <pc:cxnChg chg="del">
+          <ac:chgData name="Milijana Surbatovich" userId="34f022815c94af0f" providerId="LiveId" clId="{55FAA4E7-EEE4-457E-9090-E840BC2AB20C}" dt="2018-05-07T18:57:12.340" v="0" actId="478"/>
+          <ac:cxnSpMkLst>
+            <pc:docMk/>
+            <pc:sldMk cId="169634896" sldId="256"/>
+            <ac:cxnSpMk id="7" creationId="{E78BE08A-93AA-4AD6-8B48-9B3A8F615080}"/>
+          </ac:cxnSpMkLst>
+        </pc:cxnChg>
+        <pc:cxnChg chg="del">
+          <ac:chgData name="Milijana Surbatovich" userId="34f022815c94af0f" providerId="LiveId" clId="{55FAA4E7-EEE4-457E-9090-E840BC2AB20C}" dt="2018-05-07T18:57:12.340" v="0" actId="478"/>
+          <ac:cxnSpMkLst>
+            <pc:docMk/>
+            <pc:sldMk cId="169634896" sldId="256"/>
+            <ac:cxnSpMk id="8" creationId="{12D8DF9D-8AA2-4A3F-AA1E-32622C0BC06E}"/>
+          </ac:cxnSpMkLst>
+        </pc:cxnChg>
+        <pc:cxnChg chg="del">
+          <ac:chgData name="Milijana Surbatovich" userId="34f022815c94af0f" providerId="LiveId" clId="{55FAA4E7-EEE4-457E-9090-E840BC2AB20C}" dt="2018-05-07T18:57:12.340" v="0" actId="478"/>
+          <ac:cxnSpMkLst>
+            <pc:docMk/>
+            <pc:sldMk cId="169634896" sldId="256"/>
+            <ac:cxnSpMk id="10" creationId="{E1A0209C-C8CD-415E-A9CE-156CBC4B6DDC}"/>
+          </ac:cxnSpMkLst>
+        </pc:cxnChg>
+        <pc:cxnChg chg="del mod">
+          <ac:chgData name="Milijana Surbatovich" userId="34f022815c94af0f" providerId="LiveId" clId="{55FAA4E7-EEE4-457E-9090-E840BC2AB20C}" dt="2018-05-07T18:57:12.340" v="0" actId="478"/>
+          <ac:cxnSpMkLst>
+            <pc:docMk/>
+            <pc:sldMk cId="169634896" sldId="256"/>
+            <ac:cxnSpMk id="13" creationId="{7FB2A926-683E-4B0A-9A35-EF9EAED66C3B}"/>
+          </ac:cxnSpMkLst>
+        </pc:cxnChg>
+        <pc:cxnChg chg="add mod">
+          <ac:chgData name="Milijana Surbatovich" userId="34f022815c94af0f" providerId="LiveId" clId="{55FAA4E7-EEE4-457E-9090-E840BC2AB20C}" dt="2018-05-07T18:58:44.011" v="15" actId="14100"/>
+          <ac:cxnSpMkLst>
+            <pc:docMk/>
+            <pc:sldMk cId="169634896" sldId="256"/>
+            <ac:cxnSpMk id="21" creationId="{1FBC6F37-96C5-405A-98EB-7514CDC08B00}"/>
+          </ac:cxnSpMkLst>
+        </pc:cxnChg>
+        <pc:cxnChg chg="add mod">
+          <ac:chgData name="Milijana Surbatovich" userId="34f022815c94af0f" providerId="LiveId" clId="{55FAA4E7-EEE4-457E-9090-E840BC2AB20C}" dt="2018-05-07T18:59:07.520" v="19" actId="14100"/>
+          <ac:cxnSpMkLst>
+            <pc:docMk/>
+            <pc:sldMk cId="169634896" sldId="256"/>
+            <ac:cxnSpMk id="22" creationId="{C335E4B3-2D34-4E7B-816B-B364B9B39540}"/>
+          </ac:cxnSpMkLst>
+        </pc:cxnChg>
+        <pc:cxnChg chg="add mod">
+          <ac:chgData name="Milijana Surbatovich" userId="34f022815c94af0f" providerId="LiveId" clId="{55FAA4E7-EEE4-457E-9090-E840BC2AB20C}" dt="2018-05-07T19:00:07.011" v="25" actId="14100"/>
+          <ac:cxnSpMkLst>
+            <pc:docMk/>
+            <pc:sldMk cId="169634896" sldId="256"/>
+            <ac:cxnSpMk id="30" creationId="{738BB791-CC35-4756-82E2-1A203244E42F}"/>
+          </ac:cxnSpMkLst>
+        </pc:cxnChg>
+        <pc:cxnChg chg="add mod">
+          <ac:chgData name="Milijana Surbatovich" userId="34f022815c94af0f" providerId="LiveId" clId="{55FAA4E7-EEE4-457E-9090-E840BC2AB20C}" dt="2018-05-07T19:01:03.336" v="32" actId="14100"/>
+          <ac:cxnSpMkLst>
+            <pc:docMk/>
+            <pc:sldMk cId="169634896" sldId="256"/>
+            <ac:cxnSpMk id="33" creationId="{D265CAAA-40FB-42E7-9956-C17E71A043DA}"/>
           </ac:cxnSpMkLst>
         </pc:cxnChg>
       </pc:sldChg>
@@ -445,15 +693,15 @@
         </p:nvSpPr>
         <p:spPr>
           <a:xfrm>
-            <a:off x="685800" y="1122363"/>
-            <a:ext cx="7772400" cy="2387600"/>
+            <a:off x="548640" y="897890"/>
+            <a:ext cx="6217920" cy="1910080"/>
           </a:xfrm>
         </p:spPr>
         <p:txBody>
           <a:bodyPr anchor="b"/>
           <a:lstStyle>
             <a:lvl1pPr algn="ctr">
-              <a:defRPr sz="6000"/>
+              <a:defRPr sz="4800"/>
             </a:lvl1pPr>
           </a:lstStyle>
           <a:p>
@@ -477,8 +725,8 @@
         </p:nvSpPr>
         <p:spPr>
           <a:xfrm>
-            <a:off x="1143000" y="3602038"/>
-            <a:ext cx="6858000" cy="1655762"/>
+            <a:off x="914400" y="2881630"/>
+            <a:ext cx="5486400" cy="1324610"/>
           </a:xfrm>
         </p:spPr>
         <p:txBody>
@@ -486,39 +734,39 @@
           <a:lstStyle>
             <a:lvl1pPr marL="0" indent="0" algn="ctr">
               <a:buNone/>
-              <a:defRPr sz="2400"/>
+              <a:defRPr sz="1920"/>
             </a:lvl1pPr>
-            <a:lvl2pPr marL="457200" indent="0" algn="ctr">
-              <a:buNone/>
-              <a:defRPr sz="2000"/>
+            <a:lvl2pPr marL="365760" indent="0" algn="ctr">
+              <a:buNone/>
+              <a:defRPr sz="1600"/>
             </a:lvl2pPr>
-            <a:lvl3pPr marL="914400" indent="0" algn="ctr">
-              <a:buNone/>
-              <a:defRPr sz="1800"/>
+            <a:lvl3pPr marL="731520" indent="0" algn="ctr">
+              <a:buNone/>
+              <a:defRPr sz="1440"/>
             </a:lvl3pPr>
-            <a:lvl4pPr marL="1371600" indent="0" algn="ctr">
-              <a:buNone/>
-              <a:defRPr sz="1600"/>
+            <a:lvl4pPr marL="1097280" indent="0" algn="ctr">
+              <a:buNone/>
+              <a:defRPr sz="1280"/>
             </a:lvl4pPr>
-            <a:lvl5pPr marL="1828800" indent="0" algn="ctr">
-              <a:buNone/>
-              <a:defRPr sz="1600"/>
+            <a:lvl5pPr marL="1463040" indent="0" algn="ctr">
+              <a:buNone/>
+              <a:defRPr sz="1280"/>
             </a:lvl5pPr>
-            <a:lvl6pPr marL="2286000" indent="0" algn="ctr">
-              <a:buNone/>
-              <a:defRPr sz="1600"/>
+            <a:lvl6pPr marL="1828800" indent="0" algn="ctr">
+              <a:buNone/>
+              <a:defRPr sz="1280"/>
             </a:lvl6pPr>
-            <a:lvl7pPr marL="2743200" indent="0" algn="ctr">
-              <a:buNone/>
-              <a:defRPr sz="1600"/>
+            <a:lvl7pPr marL="2194560" indent="0" algn="ctr">
+              <a:buNone/>
+              <a:defRPr sz="1280"/>
             </a:lvl7pPr>
-            <a:lvl8pPr marL="3200400" indent="0" algn="ctr">
-              <a:buNone/>
-              <a:defRPr sz="1600"/>
+            <a:lvl8pPr marL="2560320" indent="0" algn="ctr">
+              <a:buNone/>
+              <a:defRPr sz="1280"/>
             </a:lvl8pPr>
-            <a:lvl9pPr marL="3657600" indent="0" algn="ctr">
-              <a:buNone/>
-              <a:defRPr sz="1600"/>
+            <a:lvl9pPr marL="2926080" indent="0" algn="ctr">
+              <a:buNone/>
+              <a:defRPr sz="1280"/>
             </a:lvl9pPr>
           </a:lstStyle>
           <a:p>
@@ -547,7 +795,7 @@
           <a:p>
             <a:fld id="{DD53F959-3F16-42CA-9B1E-4CEFAA417EE0}" type="datetimeFigureOut">
               <a:rPr lang="en-US" smtClean="0"/>
-              <a:t>4/23/2018</a:t>
+              <a:t>5/7/2018</a:t>
             </a:fld>
             <a:endParaRPr lang="en-US"/>
           </a:p>
@@ -598,7 +846,7 @@
     </p:spTree>
     <p:extLst>
       <p:ext uri="{BB962C8B-B14F-4D97-AF65-F5344CB8AC3E}">
-        <p14:creationId xmlns:p14="http://schemas.microsoft.com/office/powerpoint/2010/main" val="3594370318"/>
+        <p14:creationId xmlns:p14="http://schemas.microsoft.com/office/powerpoint/2010/main" val="4064012399"/>
       </p:ext>
     </p:extLst>
   </p:cSld>
@@ -717,7 +965,7 @@
           <a:p>
             <a:fld id="{DD53F959-3F16-42CA-9B1E-4CEFAA417EE0}" type="datetimeFigureOut">
               <a:rPr lang="en-US" smtClean="0"/>
-              <a:t>4/23/2018</a:t>
+              <a:t>5/7/2018</a:t>
             </a:fld>
             <a:endParaRPr lang="en-US"/>
           </a:p>
@@ -768,7 +1016,7 @@
     </p:spTree>
     <p:extLst>
       <p:ext uri="{BB962C8B-B14F-4D97-AF65-F5344CB8AC3E}">
-        <p14:creationId xmlns:p14="http://schemas.microsoft.com/office/powerpoint/2010/main" val="1536516013"/>
+        <p14:creationId xmlns:p14="http://schemas.microsoft.com/office/powerpoint/2010/main" val="2663800509"/>
       </p:ext>
     </p:extLst>
   </p:cSld>
@@ -807,8 +1055,8 @@
         </p:nvSpPr>
         <p:spPr>
           <a:xfrm>
-            <a:off x="6543675" y="365125"/>
-            <a:ext cx="1971675" cy="5811838"/>
+            <a:off x="5234940" y="292100"/>
+            <a:ext cx="1577340" cy="4649470"/>
           </a:xfrm>
         </p:spPr>
         <p:txBody>
@@ -835,8 +1083,8 @@
         </p:nvSpPr>
         <p:spPr>
           <a:xfrm>
-            <a:off x="628650" y="365125"/>
-            <a:ext cx="5800725" cy="5811838"/>
+            <a:off x="502920" y="292100"/>
+            <a:ext cx="4640580" cy="4649470"/>
           </a:xfrm>
         </p:spPr>
         <p:txBody>
@@ -897,7 +1145,7 @@
           <a:p>
             <a:fld id="{DD53F959-3F16-42CA-9B1E-4CEFAA417EE0}" type="datetimeFigureOut">
               <a:rPr lang="en-US" smtClean="0"/>
-              <a:t>4/23/2018</a:t>
+              <a:t>5/7/2018</a:t>
             </a:fld>
             <a:endParaRPr lang="en-US"/>
           </a:p>
@@ -948,7 +1196,7 @@
     </p:spTree>
     <p:extLst>
       <p:ext uri="{BB962C8B-B14F-4D97-AF65-F5344CB8AC3E}">
-        <p14:creationId xmlns:p14="http://schemas.microsoft.com/office/powerpoint/2010/main" val="3863494523"/>
+        <p14:creationId xmlns:p14="http://schemas.microsoft.com/office/powerpoint/2010/main" val="2910725864"/>
       </p:ext>
     </p:extLst>
   </p:cSld>
@@ -1067,7 +1315,7 @@
           <a:p>
             <a:fld id="{DD53F959-3F16-42CA-9B1E-4CEFAA417EE0}" type="datetimeFigureOut">
               <a:rPr lang="en-US" smtClean="0"/>
-              <a:t>4/23/2018</a:t>
+              <a:t>5/7/2018</a:t>
             </a:fld>
             <a:endParaRPr lang="en-US"/>
           </a:p>
@@ -1118,7 +1366,7 @@
     </p:spTree>
     <p:extLst>
       <p:ext uri="{BB962C8B-B14F-4D97-AF65-F5344CB8AC3E}">
-        <p14:creationId xmlns:p14="http://schemas.microsoft.com/office/powerpoint/2010/main" val="2962366245"/>
+        <p14:creationId xmlns:p14="http://schemas.microsoft.com/office/powerpoint/2010/main" val="2685601438"/>
       </p:ext>
     </p:extLst>
   </p:cSld>
@@ -1157,15 +1405,15 @@
         </p:nvSpPr>
         <p:spPr>
           <a:xfrm>
-            <a:off x="623888" y="1709739"/>
-            <a:ext cx="7886700" cy="2852737"/>
+            <a:off x="499110" y="1367791"/>
+            <a:ext cx="6309360" cy="2282190"/>
           </a:xfrm>
         </p:spPr>
         <p:txBody>
           <a:bodyPr anchor="b"/>
           <a:lstStyle>
             <a:lvl1pPr>
-              <a:defRPr sz="6000"/>
+              <a:defRPr sz="4800"/>
             </a:lvl1pPr>
           </a:lstStyle>
           <a:p>
@@ -1189,8 +1437,8 @@
         </p:nvSpPr>
         <p:spPr>
           <a:xfrm>
-            <a:off x="623888" y="4589464"/>
-            <a:ext cx="7886700" cy="1500187"/>
+            <a:off x="499110" y="3671571"/>
+            <a:ext cx="6309360" cy="1200150"/>
           </a:xfrm>
         </p:spPr>
         <p:txBody>
@@ -1198,15 +1446,15 @@
           <a:lstStyle>
             <a:lvl1pPr marL="0" indent="0">
               <a:buNone/>
-              <a:defRPr sz="2400">
+              <a:defRPr sz="1920">
                 <a:solidFill>
                   <a:schemeClr val="tx1"/>
                 </a:solidFill>
               </a:defRPr>
             </a:lvl1pPr>
-            <a:lvl2pPr marL="457200" indent="0">
-              <a:buNone/>
-              <a:defRPr sz="2000">
+            <a:lvl2pPr marL="365760" indent="0">
+              <a:buNone/>
+              <a:defRPr sz="1600">
                 <a:solidFill>
                   <a:schemeClr val="tx1">
                     <a:tint val="75000"/>
@@ -1214,9 +1462,9 @@
                 </a:solidFill>
               </a:defRPr>
             </a:lvl2pPr>
-            <a:lvl3pPr marL="914400" indent="0">
-              <a:buNone/>
-              <a:defRPr sz="1800">
+            <a:lvl3pPr marL="731520" indent="0">
+              <a:buNone/>
+              <a:defRPr sz="1440">
                 <a:solidFill>
                   <a:schemeClr val="tx1">
                     <a:tint val="75000"/>
@@ -1224,9 +1472,9 @@
                 </a:solidFill>
               </a:defRPr>
             </a:lvl3pPr>
-            <a:lvl4pPr marL="1371600" indent="0">
-              <a:buNone/>
-              <a:defRPr sz="1600">
+            <a:lvl4pPr marL="1097280" indent="0">
+              <a:buNone/>
+              <a:defRPr sz="1280">
                 <a:solidFill>
                   <a:schemeClr val="tx1">
                     <a:tint val="75000"/>
@@ -1234,9 +1482,9 @@
                 </a:solidFill>
               </a:defRPr>
             </a:lvl4pPr>
-            <a:lvl5pPr marL="1828800" indent="0">
-              <a:buNone/>
-              <a:defRPr sz="1600">
+            <a:lvl5pPr marL="1463040" indent="0">
+              <a:buNone/>
+              <a:defRPr sz="1280">
                 <a:solidFill>
                   <a:schemeClr val="tx1">
                     <a:tint val="75000"/>
@@ -1244,9 +1492,9 @@
                 </a:solidFill>
               </a:defRPr>
             </a:lvl5pPr>
-            <a:lvl6pPr marL="2286000" indent="0">
-              <a:buNone/>
-              <a:defRPr sz="1600">
+            <a:lvl6pPr marL="1828800" indent="0">
+              <a:buNone/>
+              <a:defRPr sz="1280">
                 <a:solidFill>
                   <a:schemeClr val="tx1">
                     <a:tint val="75000"/>
@@ -1254,9 +1502,9 @@
                 </a:solidFill>
               </a:defRPr>
             </a:lvl6pPr>
-            <a:lvl7pPr marL="2743200" indent="0">
-              <a:buNone/>
-              <a:defRPr sz="1600">
+            <a:lvl7pPr marL="2194560" indent="0">
+              <a:buNone/>
+              <a:defRPr sz="1280">
                 <a:solidFill>
                   <a:schemeClr val="tx1">
                     <a:tint val="75000"/>
@@ -1264,9 +1512,9 @@
                 </a:solidFill>
               </a:defRPr>
             </a:lvl7pPr>
-            <a:lvl8pPr marL="3200400" indent="0">
-              <a:buNone/>
-              <a:defRPr sz="1600">
+            <a:lvl8pPr marL="2560320" indent="0">
+              <a:buNone/>
+              <a:defRPr sz="1280">
                 <a:solidFill>
                   <a:schemeClr val="tx1">
                     <a:tint val="75000"/>
@@ -1274,9 +1522,9 @@
                 </a:solidFill>
               </a:defRPr>
             </a:lvl8pPr>
-            <a:lvl9pPr marL="3657600" indent="0">
-              <a:buNone/>
-              <a:defRPr sz="1600">
+            <a:lvl9pPr marL="2926080" indent="0">
+              <a:buNone/>
+              <a:defRPr sz="1280">
                 <a:solidFill>
                   <a:schemeClr val="tx1">
                     <a:tint val="75000"/>
@@ -1311,7 +1559,7 @@
           <a:p>
             <a:fld id="{DD53F959-3F16-42CA-9B1E-4CEFAA417EE0}" type="datetimeFigureOut">
               <a:rPr lang="en-US" smtClean="0"/>
-              <a:t>4/23/2018</a:t>
+              <a:t>5/7/2018</a:t>
             </a:fld>
             <a:endParaRPr lang="en-US"/>
           </a:p>
@@ -1362,7 +1610,7 @@
     </p:spTree>
     <p:extLst>
       <p:ext uri="{BB962C8B-B14F-4D97-AF65-F5344CB8AC3E}">
-        <p14:creationId xmlns:p14="http://schemas.microsoft.com/office/powerpoint/2010/main" val="2801578967"/>
+        <p14:creationId xmlns:p14="http://schemas.microsoft.com/office/powerpoint/2010/main" val="2598465642"/>
       </p:ext>
     </p:extLst>
   </p:cSld>
@@ -1424,8 +1672,8 @@
         </p:nvSpPr>
         <p:spPr>
           <a:xfrm>
-            <a:off x="628650" y="1825625"/>
-            <a:ext cx="3886200" cy="4351338"/>
+            <a:off x="502920" y="1460500"/>
+            <a:ext cx="3108960" cy="3481070"/>
           </a:xfrm>
         </p:spPr>
         <p:txBody>
@@ -1481,8 +1729,8 @@
         </p:nvSpPr>
         <p:spPr>
           <a:xfrm>
-            <a:off x="4629150" y="1825625"/>
-            <a:ext cx="3886200" cy="4351338"/>
+            <a:off x="3703320" y="1460500"/>
+            <a:ext cx="3108960" cy="3481070"/>
           </a:xfrm>
         </p:spPr>
         <p:txBody>
@@ -1543,7 +1791,7 @@
           <a:p>
             <a:fld id="{DD53F959-3F16-42CA-9B1E-4CEFAA417EE0}" type="datetimeFigureOut">
               <a:rPr lang="en-US" smtClean="0"/>
-              <a:t>4/23/2018</a:t>
+              <a:t>5/7/2018</a:t>
             </a:fld>
             <a:endParaRPr lang="en-US"/>
           </a:p>
@@ -1594,7 +1842,7 @@
     </p:spTree>
     <p:extLst>
       <p:ext uri="{BB962C8B-B14F-4D97-AF65-F5344CB8AC3E}">
-        <p14:creationId xmlns:p14="http://schemas.microsoft.com/office/powerpoint/2010/main" val="107373305"/>
+        <p14:creationId xmlns:p14="http://schemas.microsoft.com/office/powerpoint/2010/main" val="2877551049"/>
       </p:ext>
     </p:extLst>
   </p:cSld>
@@ -1633,8 +1881,8 @@
         </p:nvSpPr>
         <p:spPr>
           <a:xfrm>
-            <a:off x="629841" y="365126"/>
-            <a:ext cx="7886700" cy="1325563"/>
+            <a:off x="503873" y="292101"/>
+            <a:ext cx="6309360" cy="1060450"/>
           </a:xfrm>
         </p:spPr>
         <p:txBody>
@@ -1661,8 +1909,8 @@
         </p:nvSpPr>
         <p:spPr>
           <a:xfrm>
-            <a:off x="629842" y="1681163"/>
-            <a:ext cx="3868340" cy="823912"/>
+            <a:off x="503874" y="1344930"/>
+            <a:ext cx="3094672" cy="659130"/>
           </a:xfrm>
         </p:spPr>
         <p:txBody>
@@ -1670,39 +1918,39 @@
           <a:lstStyle>
             <a:lvl1pPr marL="0" indent="0">
               <a:buNone/>
-              <a:defRPr sz="2400" b="1"/>
+              <a:defRPr sz="1920" b="1"/>
             </a:lvl1pPr>
-            <a:lvl2pPr marL="457200" indent="0">
-              <a:buNone/>
-              <a:defRPr sz="2000" b="1"/>
+            <a:lvl2pPr marL="365760" indent="0">
+              <a:buNone/>
+              <a:defRPr sz="1600" b="1"/>
             </a:lvl2pPr>
-            <a:lvl3pPr marL="914400" indent="0">
-              <a:buNone/>
-              <a:defRPr sz="1800" b="1"/>
+            <a:lvl3pPr marL="731520" indent="0">
+              <a:buNone/>
+              <a:defRPr sz="1440" b="1"/>
             </a:lvl3pPr>
-            <a:lvl4pPr marL="1371600" indent="0">
-              <a:buNone/>
-              <a:defRPr sz="1600" b="1"/>
+            <a:lvl4pPr marL="1097280" indent="0">
+              <a:buNone/>
+              <a:defRPr sz="1280" b="1"/>
             </a:lvl4pPr>
-            <a:lvl5pPr marL="1828800" indent="0">
-              <a:buNone/>
-              <a:defRPr sz="1600" b="1"/>
+            <a:lvl5pPr marL="1463040" indent="0">
+              <a:buNone/>
+              <a:defRPr sz="1280" b="1"/>
             </a:lvl5pPr>
-            <a:lvl6pPr marL="2286000" indent="0">
-              <a:buNone/>
-              <a:defRPr sz="1600" b="1"/>
+            <a:lvl6pPr marL="1828800" indent="0">
+              <a:buNone/>
+              <a:defRPr sz="1280" b="1"/>
             </a:lvl6pPr>
-            <a:lvl7pPr marL="2743200" indent="0">
-              <a:buNone/>
-              <a:defRPr sz="1600" b="1"/>
+            <a:lvl7pPr marL="2194560" indent="0">
+              <a:buNone/>
+              <a:defRPr sz="1280" b="1"/>
             </a:lvl7pPr>
-            <a:lvl8pPr marL="3200400" indent="0">
-              <a:buNone/>
-              <a:defRPr sz="1600" b="1"/>
+            <a:lvl8pPr marL="2560320" indent="0">
+              <a:buNone/>
+              <a:defRPr sz="1280" b="1"/>
             </a:lvl8pPr>
-            <a:lvl9pPr marL="3657600" indent="0">
-              <a:buNone/>
-              <a:defRPr sz="1600" b="1"/>
+            <a:lvl9pPr marL="2926080" indent="0">
+              <a:buNone/>
+              <a:defRPr sz="1280" b="1"/>
             </a:lvl9pPr>
           </a:lstStyle>
           <a:p>
@@ -1726,8 +1974,8 @@
         </p:nvSpPr>
         <p:spPr>
           <a:xfrm>
-            <a:off x="629842" y="2505075"/>
-            <a:ext cx="3868340" cy="3684588"/>
+            <a:off x="503874" y="2004060"/>
+            <a:ext cx="3094672" cy="2947670"/>
           </a:xfrm>
         </p:spPr>
         <p:txBody>
@@ -1783,8 +2031,8 @@
         </p:nvSpPr>
         <p:spPr>
           <a:xfrm>
-            <a:off x="4629150" y="1681163"/>
-            <a:ext cx="3887391" cy="823912"/>
+            <a:off x="3703320" y="1344930"/>
+            <a:ext cx="3109913" cy="659130"/>
           </a:xfrm>
         </p:spPr>
         <p:txBody>
@@ -1792,39 +2040,39 @@
           <a:lstStyle>
             <a:lvl1pPr marL="0" indent="0">
               <a:buNone/>
-              <a:defRPr sz="2400" b="1"/>
+              <a:defRPr sz="1920" b="1"/>
             </a:lvl1pPr>
-            <a:lvl2pPr marL="457200" indent="0">
-              <a:buNone/>
-              <a:defRPr sz="2000" b="1"/>
+            <a:lvl2pPr marL="365760" indent="0">
+              <a:buNone/>
+              <a:defRPr sz="1600" b="1"/>
             </a:lvl2pPr>
-            <a:lvl3pPr marL="914400" indent="0">
-              <a:buNone/>
-              <a:defRPr sz="1800" b="1"/>
+            <a:lvl3pPr marL="731520" indent="0">
+              <a:buNone/>
+              <a:defRPr sz="1440" b="1"/>
             </a:lvl3pPr>
-            <a:lvl4pPr marL="1371600" indent="0">
-              <a:buNone/>
-              <a:defRPr sz="1600" b="1"/>
+            <a:lvl4pPr marL="1097280" indent="0">
+              <a:buNone/>
+              <a:defRPr sz="1280" b="1"/>
             </a:lvl4pPr>
-            <a:lvl5pPr marL="1828800" indent="0">
-              <a:buNone/>
-              <a:defRPr sz="1600" b="1"/>
+            <a:lvl5pPr marL="1463040" indent="0">
+              <a:buNone/>
+              <a:defRPr sz="1280" b="1"/>
             </a:lvl5pPr>
-            <a:lvl6pPr marL="2286000" indent="0">
-              <a:buNone/>
-              <a:defRPr sz="1600" b="1"/>
+            <a:lvl6pPr marL="1828800" indent="0">
+              <a:buNone/>
+              <a:defRPr sz="1280" b="1"/>
             </a:lvl6pPr>
-            <a:lvl7pPr marL="2743200" indent="0">
-              <a:buNone/>
-              <a:defRPr sz="1600" b="1"/>
+            <a:lvl7pPr marL="2194560" indent="0">
+              <a:buNone/>
+              <a:defRPr sz="1280" b="1"/>
             </a:lvl7pPr>
-            <a:lvl8pPr marL="3200400" indent="0">
-              <a:buNone/>
-              <a:defRPr sz="1600" b="1"/>
+            <a:lvl8pPr marL="2560320" indent="0">
+              <a:buNone/>
+              <a:defRPr sz="1280" b="1"/>
             </a:lvl8pPr>
-            <a:lvl9pPr marL="3657600" indent="0">
-              <a:buNone/>
-              <a:defRPr sz="1600" b="1"/>
+            <a:lvl9pPr marL="2926080" indent="0">
+              <a:buNone/>
+              <a:defRPr sz="1280" b="1"/>
             </a:lvl9pPr>
           </a:lstStyle>
           <a:p>
@@ -1848,8 +2096,8 @@
         </p:nvSpPr>
         <p:spPr>
           <a:xfrm>
-            <a:off x="4629150" y="2505075"/>
-            <a:ext cx="3887391" cy="3684588"/>
+            <a:off x="3703320" y="2004060"/>
+            <a:ext cx="3109913" cy="2947670"/>
           </a:xfrm>
         </p:spPr>
         <p:txBody>
@@ -1910,7 +2158,7 @@
           <a:p>
             <a:fld id="{DD53F959-3F16-42CA-9B1E-4CEFAA417EE0}" type="datetimeFigureOut">
               <a:rPr lang="en-US" smtClean="0"/>
-              <a:t>4/23/2018</a:t>
+              <a:t>5/7/2018</a:t>
             </a:fld>
             <a:endParaRPr lang="en-US"/>
           </a:p>
@@ -1961,7 +2209,7 @@
     </p:spTree>
     <p:extLst>
       <p:ext uri="{BB962C8B-B14F-4D97-AF65-F5344CB8AC3E}">
-        <p14:creationId xmlns:p14="http://schemas.microsoft.com/office/powerpoint/2010/main" val="605396882"/>
+        <p14:creationId xmlns:p14="http://schemas.microsoft.com/office/powerpoint/2010/main" val="2102249642"/>
       </p:ext>
     </p:extLst>
   </p:cSld>
@@ -2028,7 +2276,7 @@
           <a:p>
             <a:fld id="{DD53F959-3F16-42CA-9B1E-4CEFAA417EE0}" type="datetimeFigureOut">
               <a:rPr lang="en-US" smtClean="0"/>
-              <a:t>4/23/2018</a:t>
+              <a:t>5/7/2018</a:t>
             </a:fld>
             <a:endParaRPr lang="en-US"/>
           </a:p>
@@ -2079,7 +2327,7 @@
     </p:spTree>
     <p:extLst>
       <p:ext uri="{BB962C8B-B14F-4D97-AF65-F5344CB8AC3E}">
-        <p14:creationId xmlns:p14="http://schemas.microsoft.com/office/powerpoint/2010/main" val="1404366708"/>
+        <p14:creationId xmlns:p14="http://schemas.microsoft.com/office/powerpoint/2010/main" val="3092085353"/>
       </p:ext>
     </p:extLst>
   </p:cSld>
@@ -2123,7 +2371,7 @@
           <a:p>
             <a:fld id="{DD53F959-3F16-42CA-9B1E-4CEFAA417EE0}" type="datetimeFigureOut">
               <a:rPr lang="en-US" smtClean="0"/>
-              <a:t>4/23/2018</a:t>
+              <a:t>5/7/2018</a:t>
             </a:fld>
             <a:endParaRPr lang="en-US"/>
           </a:p>
@@ -2174,7 +2422,7 @@
     </p:spTree>
     <p:extLst>
       <p:ext uri="{BB962C8B-B14F-4D97-AF65-F5344CB8AC3E}">
-        <p14:creationId xmlns:p14="http://schemas.microsoft.com/office/powerpoint/2010/main" val="1467652477"/>
+        <p14:creationId xmlns:p14="http://schemas.microsoft.com/office/powerpoint/2010/main" val="939355971"/>
       </p:ext>
     </p:extLst>
   </p:cSld>
@@ -2213,15 +2461,15 @@
         </p:nvSpPr>
         <p:spPr>
           <a:xfrm>
-            <a:off x="629841" y="457200"/>
-            <a:ext cx="2949178" cy="1600200"/>
+            <a:off x="503873" y="365760"/>
+            <a:ext cx="2359342" cy="1280160"/>
           </a:xfrm>
         </p:spPr>
         <p:txBody>
           <a:bodyPr anchor="b"/>
           <a:lstStyle>
             <a:lvl1pPr>
-              <a:defRPr sz="3200"/>
+              <a:defRPr sz="2560"/>
             </a:lvl1pPr>
           </a:lstStyle>
           <a:p>
@@ -2245,39 +2493,39 @@
         </p:nvSpPr>
         <p:spPr>
           <a:xfrm>
-            <a:off x="3887391" y="987426"/>
-            <a:ext cx="4629150" cy="4873625"/>
+            <a:off x="3109913" y="789941"/>
+            <a:ext cx="3703320" cy="3898900"/>
           </a:xfrm>
         </p:spPr>
         <p:txBody>
           <a:bodyPr/>
           <a:lstStyle>
             <a:lvl1pPr>
-              <a:defRPr sz="3200"/>
+              <a:defRPr sz="2560"/>
             </a:lvl1pPr>
             <a:lvl2pPr>
-              <a:defRPr sz="2800"/>
+              <a:defRPr sz="2240"/>
             </a:lvl2pPr>
             <a:lvl3pPr>
-              <a:defRPr sz="2400"/>
+              <a:defRPr sz="1920"/>
             </a:lvl3pPr>
             <a:lvl4pPr>
-              <a:defRPr sz="2000"/>
+              <a:defRPr sz="1600"/>
             </a:lvl4pPr>
             <a:lvl5pPr>
-              <a:defRPr sz="2000"/>
+              <a:defRPr sz="1600"/>
             </a:lvl5pPr>
             <a:lvl6pPr>
-              <a:defRPr sz="2000"/>
+              <a:defRPr sz="1600"/>
             </a:lvl6pPr>
             <a:lvl7pPr>
-              <a:defRPr sz="2000"/>
+              <a:defRPr sz="1600"/>
             </a:lvl7pPr>
             <a:lvl8pPr>
-              <a:defRPr sz="2000"/>
+              <a:defRPr sz="1600"/>
             </a:lvl8pPr>
             <a:lvl9pPr>
-              <a:defRPr sz="2000"/>
+              <a:defRPr sz="1600"/>
             </a:lvl9pPr>
           </a:lstStyle>
           <a:p>
@@ -2330,8 +2578,8 @@
         </p:nvSpPr>
         <p:spPr>
           <a:xfrm>
-            <a:off x="629841" y="2057400"/>
-            <a:ext cx="2949178" cy="3811588"/>
+            <a:off x="503873" y="1645920"/>
+            <a:ext cx="2359342" cy="3049270"/>
           </a:xfrm>
         </p:spPr>
         <p:txBody>
@@ -2339,39 +2587,39 @@
           <a:lstStyle>
             <a:lvl1pPr marL="0" indent="0">
               <a:buNone/>
-              <a:defRPr sz="1600"/>
+              <a:defRPr sz="1280"/>
             </a:lvl1pPr>
-            <a:lvl2pPr marL="457200" indent="0">
-              <a:buNone/>
-              <a:defRPr sz="1400"/>
+            <a:lvl2pPr marL="365760" indent="0">
+              <a:buNone/>
+              <a:defRPr sz="1120"/>
             </a:lvl2pPr>
-            <a:lvl3pPr marL="914400" indent="0">
-              <a:buNone/>
-              <a:defRPr sz="1200"/>
+            <a:lvl3pPr marL="731520" indent="0">
+              <a:buNone/>
+              <a:defRPr sz="960"/>
             </a:lvl3pPr>
-            <a:lvl4pPr marL="1371600" indent="0">
-              <a:buNone/>
-              <a:defRPr sz="1000"/>
+            <a:lvl4pPr marL="1097280" indent="0">
+              <a:buNone/>
+              <a:defRPr sz="800"/>
             </a:lvl4pPr>
-            <a:lvl5pPr marL="1828800" indent="0">
-              <a:buNone/>
-              <a:defRPr sz="1000"/>
+            <a:lvl5pPr marL="1463040" indent="0">
+              <a:buNone/>
+              <a:defRPr sz="800"/>
             </a:lvl5pPr>
-            <a:lvl6pPr marL="2286000" indent="0">
-              <a:buNone/>
-              <a:defRPr sz="1000"/>
+            <a:lvl6pPr marL="1828800" indent="0">
+              <a:buNone/>
+              <a:defRPr sz="800"/>
             </a:lvl6pPr>
-            <a:lvl7pPr marL="2743200" indent="0">
-              <a:buNone/>
-              <a:defRPr sz="1000"/>
+            <a:lvl7pPr marL="2194560" indent="0">
+              <a:buNone/>
+              <a:defRPr sz="800"/>
             </a:lvl7pPr>
-            <a:lvl8pPr marL="3200400" indent="0">
-              <a:buNone/>
-              <a:defRPr sz="1000"/>
+            <a:lvl8pPr marL="2560320" indent="0">
+              <a:buNone/>
+              <a:defRPr sz="800"/>
             </a:lvl8pPr>
-            <a:lvl9pPr marL="3657600" indent="0">
-              <a:buNone/>
-              <a:defRPr sz="1000"/>
+            <a:lvl9pPr marL="2926080" indent="0">
+              <a:buNone/>
+              <a:defRPr sz="800"/>
             </a:lvl9pPr>
           </a:lstStyle>
           <a:p>
@@ -2400,7 +2648,7 @@
           <a:p>
             <a:fld id="{DD53F959-3F16-42CA-9B1E-4CEFAA417EE0}" type="datetimeFigureOut">
               <a:rPr lang="en-US" smtClean="0"/>
-              <a:t>4/23/2018</a:t>
+              <a:t>5/7/2018</a:t>
             </a:fld>
             <a:endParaRPr lang="en-US"/>
           </a:p>
@@ -2451,7 +2699,7 @@
     </p:spTree>
     <p:extLst>
       <p:ext uri="{BB962C8B-B14F-4D97-AF65-F5344CB8AC3E}">
-        <p14:creationId xmlns:p14="http://schemas.microsoft.com/office/powerpoint/2010/main" val="2902235662"/>
+        <p14:creationId xmlns:p14="http://schemas.microsoft.com/office/powerpoint/2010/main" val="3334155080"/>
       </p:ext>
     </p:extLst>
   </p:cSld>
@@ -2490,15 +2738,15 @@
         </p:nvSpPr>
         <p:spPr>
           <a:xfrm>
-            <a:off x="629841" y="457200"/>
-            <a:ext cx="2949178" cy="1600200"/>
+            <a:off x="503873" y="365760"/>
+            <a:ext cx="2359342" cy="1280160"/>
           </a:xfrm>
         </p:spPr>
         <p:txBody>
           <a:bodyPr anchor="b"/>
           <a:lstStyle>
             <a:lvl1pPr>
-              <a:defRPr sz="3200"/>
+              <a:defRPr sz="2560"/>
             </a:lvl1pPr>
           </a:lstStyle>
           <a:p>
@@ -2522,8 +2770,8 @@
         </p:nvSpPr>
         <p:spPr>
           <a:xfrm>
-            <a:off x="3887391" y="987426"/>
-            <a:ext cx="4629150" cy="4873625"/>
+            <a:off x="3109913" y="789941"/>
+            <a:ext cx="3703320" cy="3898900"/>
           </a:xfrm>
         </p:spPr>
         <p:txBody>
@@ -2531,39 +2779,39 @@
           <a:lstStyle>
             <a:lvl1pPr marL="0" indent="0">
               <a:buNone/>
-              <a:defRPr sz="3200"/>
+              <a:defRPr sz="2560"/>
             </a:lvl1pPr>
-            <a:lvl2pPr marL="457200" indent="0">
-              <a:buNone/>
-              <a:defRPr sz="2800"/>
+            <a:lvl2pPr marL="365760" indent="0">
+              <a:buNone/>
+              <a:defRPr sz="2240"/>
             </a:lvl2pPr>
-            <a:lvl3pPr marL="914400" indent="0">
-              <a:buNone/>
-              <a:defRPr sz="2400"/>
+            <a:lvl3pPr marL="731520" indent="0">
+              <a:buNone/>
+              <a:defRPr sz="1920"/>
             </a:lvl3pPr>
-            <a:lvl4pPr marL="1371600" indent="0">
-              <a:buNone/>
-              <a:defRPr sz="2000"/>
+            <a:lvl4pPr marL="1097280" indent="0">
+              <a:buNone/>
+              <a:defRPr sz="1600"/>
             </a:lvl4pPr>
-            <a:lvl5pPr marL="1828800" indent="0">
-              <a:buNone/>
-              <a:defRPr sz="2000"/>
+            <a:lvl5pPr marL="1463040" indent="0">
+              <a:buNone/>
+              <a:defRPr sz="1600"/>
             </a:lvl5pPr>
-            <a:lvl6pPr marL="2286000" indent="0">
-              <a:buNone/>
-              <a:defRPr sz="2000"/>
+            <a:lvl6pPr marL="1828800" indent="0">
+              <a:buNone/>
+              <a:defRPr sz="1600"/>
             </a:lvl6pPr>
-            <a:lvl7pPr marL="2743200" indent="0">
-              <a:buNone/>
-              <a:defRPr sz="2000"/>
+            <a:lvl7pPr marL="2194560" indent="0">
+              <a:buNone/>
+              <a:defRPr sz="1600"/>
             </a:lvl7pPr>
-            <a:lvl8pPr marL="3200400" indent="0">
-              <a:buNone/>
-              <a:defRPr sz="2000"/>
+            <a:lvl8pPr marL="2560320" indent="0">
+              <a:buNone/>
+              <a:defRPr sz="1600"/>
             </a:lvl8pPr>
-            <a:lvl9pPr marL="3657600" indent="0">
-              <a:buNone/>
-              <a:defRPr sz="2000"/>
+            <a:lvl9pPr marL="2926080" indent="0">
+              <a:buNone/>
+              <a:defRPr sz="1600"/>
             </a:lvl9pPr>
           </a:lstStyle>
           <a:p>
@@ -2587,8 +2835,8 @@
         </p:nvSpPr>
         <p:spPr>
           <a:xfrm>
-            <a:off x="629841" y="2057400"/>
-            <a:ext cx="2949178" cy="3811588"/>
+            <a:off x="503873" y="1645920"/>
+            <a:ext cx="2359342" cy="3049270"/>
           </a:xfrm>
         </p:spPr>
         <p:txBody>
@@ -2596,39 +2844,39 @@
           <a:lstStyle>
             <a:lvl1pPr marL="0" indent="0">
               <a:buNone/>
-              <a:defRPr sz="1600"/>
+              <a:defRPr sz="1280"/>
             </a:lvl1pPr>
-            <a:lvl2pPr marL="457200" indent="0">
-              <a:buNone/>
-              <a:defRPr sz="1400"/>
+            <a:lvl2pPr marL="365760" indent="0">
+              <a:buNone/>
+              <a:defRPr sz="1120"/>
             </a:lvl2pPr>
-            <a:lvl3pPr marL="914400" indent="0">
-              <a:buNone/>
-              <a:defRPr sz="1200"/>
+            <a:lvl3pPr marL="731520" indent="0">
+              <a:buNone/>
+              <a:defRPr sz="960"/>
             </a:lvl3pPr>
-            <a:lvl4pPr marL="1371600" indent="0">
-              <a:buNone/>
-              <a:defRPr sz="1000"/>
+            <a:lvl4pPr marL="1097280" indent="0">
+              <a:buNone/>
+              <a:defRPr sz="800"/>
             </a:lvl4pPr>
-            <a:lvl5pPr marL="1828800" indent="0">
-              <a:buNone/>
-              <a:defRPr sz="1000"/>
+            <a:lvl5pPr marL="1463040" indent="0">
+              <a:buNone/>
+              <a:defRPr sz="800"/>
             </a:lvl5pPr>
-            <a:lvl6pPr marL="2286000" indent="0">
-              <a:buNone/>
-              <a:defRPr sz="1000"/>
+            <a:lvl6pPr marL="1828800" indent="0">
+              <a:buNone/>
+              <a:defRPr sz="800"/>
             </a:lvl6pPr>
-            <a:lvl7pPr marL="2743200" indent="0">
-              <a:buNone/>
-              <a:defRPr sz="1000"/>
+            <a:lvl7pPr marL="2194560" indent="0">
+              <a:buNone/>
+              <a:defRPr sz="800"/>
             </a:lvl7pPr>
-            <a:lvl8pPr marL="3200400" indent="0">
-              <a:buNone/>
-              <a:defRPr sz="1000"/>
+            <a:lvl8pPr marL="2560320" indent="0">
+              <a:buNone/>
+              <a:defRPr sz="800"/>
             </a:lvl8pPr>
-            <a:lvl9pPr marL="3657600" indent="0">
-              <a:buNone/>
-              <a:defRPr sz="1000"/>
+            <a:lvl9pPr marL="2926080" indent="0">
+              <a:buNone/>
+              <a:defRPr sz="800"/>
             </a:lvl9pPr>
           </a:lstStyle>
           <a:p>
@@ -2657,7 +2905,7 @@
           <a:p>
             <a:fld id="{DD53F959-3F16-42CA-9B1E-4CEFAA417EE0}" type="datetimeFigureOut">
               <a:rPr lang="en-US" smtClean="0"/>
-              <a:t>4/23/2018</a:t>
+              <a:t>5/7/2018</a:t>
             </a:fld>
             <a:endParaRPr lang="en-US"/>
           </a:p>
@@ -2708,7 +2956,7 @@
     </p:spTree>
     <p:extLst>
       <p:ext uri="{BB962C8B-B14F-4D97-AF65-F5344CB8AC3E}">
-        <p14:creationId xmlns:p14="http://schemas.microsoft.com/office/powerpoint/2010/main" val="1965053205"/>
+        <p14:creationId xmlns:p14="http://schemas.microsoft.com/office/powerpoint/2010/main" val="1569665648"/>
       </p:ext>
     </p:extLst>
   </p:cSld>
@@ -2752,8 +3000,8 @@
         </p:nvSpPr>
         <p:spPr>
           <a:xfrm>
-            <a:off x="628650" y="365126"/>
-            <a:ext cx="7886700" cy="1325563"/>
+            <a:off x="502920" y="292101"/>
+            <a:ext cx="6309360" cy="1060450"/>
           </a:xfrm>
           <a:prstGeom prst="rect">
             <a:avLst/>
@@ -2785,8 +3033,8 @@
         </p:nvSpPr>
         <p:spPr>
           <a:xfrm>
-            <a:off x="628650" y="1825625"/>
-            <a:ext cx="7886700" cy="4351338"/>
+            <a:off x="502920" y="1460500"/>
+            <a:ext cx="6309360" cy="3481070"/>
           </a:xfrm>
           <a:prstGeom prst="rect">
             <a:avLst/>
@@ -2847,8 +3095,8 @@
         </p:nvSpPr>
         <p:spPr>
           <a:xfrm>
-            <a:off x="628650" y="6356351"/>
-            <a:ext cx="2057400" cy="365125"/>
+            <a:off x="502920" y="5085081"/>
+            <a:ext cx="1645920" cy="292100"/>
           </a:xfrm>
           <a:prstGeom prst="rect">
             <a:avLst/>
@@ -2858,7 +3106,7 @@
           <a:bodyPr vert="horz" lIns="91440" tIns="45720" rIns="91440" bIns="45720" rtlCol="0" anchor="ctr"/>
           <a:lstStyle>
             <a:lvl1pPr algn="l">
-              <a:defRPr sz="1200">
+              <a:defRPr sz="960">
                 <a:solidFill>
                   <a:schemeClr val="tx1">
                     <a:tint val="75000"/>
@@ -2870,7 +3118,7 @@
           <a:p>
             <a:fld id="{DD53F959-3F16-42CA-9B1E-4CEFAA417EE0}" type="datetimeFigureOut">
               <a:rPr lang="en-US" smtClean="0"/>
-              <a:t>4/23/2018</a:t>
+              <a:t>5/7/2018</a:t>
             </a:fld>
             <a:endParaRPr lang="en-US"/>
           </a:p>
@@ -2888,8 +3136,8 @@
         </p:nvSpPr>
         <p:spPr>
           <a:xfrm>
-            <a:off x="3028950" y="6356351"/>
-            <a:ext cx="3086100" cy="365125"/>
+            <a:off x="2423160" y="5085081"/>
+            <a:ext cx="2468880" cy="292100"/>
           </a:xfrm>
           <a:prstGeom prst="rect">
             <a:avLst/>
@@ -2899,7 +3147,7 @@
           <a:bodyPr vert="horz" lIns="91440" tIns="45720" rIns="91440" bIns="45720" rtlCol="0" anchor="ctr"/>
           <a:lstStyle>
             <a:lvl1pPr algn="ctr">
-              <a:defRPr sz="1200">
+              <a:defRPr sz="960">
                 <a:solidFill>
                   <a:schemeClr val="tx1">
                     <a:tint val="75000"/>
@@ -2925,8 +3173,8 @@
         </p:nvSpPr>
         <p:spPr>
           <a:xfrm>
-            <a:off x="6457950" y="6356351"/>
-            <a:ext cx="2057400" cy="365125"/>
+            <a:off x="5166360" y="5085081"/>
+            <a:ext cx="1645920" cy="292100"/>
           </a:xfrm>
           <a:prstGeom prst="rect">
             <a:avLst/>
@@ -2936,7 +3184,7 @@
           <a:bodyPr vert="horz" lIns="91440" tIns="45720" rIns="91440" bIns="45720" rtlCol="0" anchor="ctr"/>
           <a:lstStyle>
             <a:lvl1pPr algn="r">
-              <a:defRPr sz="1200">
+              <a:defRPr sz="960">
                 <a:solidFill>
                   <a:schemeClr val="tx1">
                     <a:tint val="75000"/>
@@ -2957,27 +3205,27 @@
     </p:spTree>
     <p:extLst>
       <p:ext uri="{BB962C8B-B14F-4D97-AF65-F5344CB8AC3E}">
-        <p14:creationId xmlns:p14="http://schemas.microsoft.com/office/powerpoint/2010/main" val="568517320"/>
+        <p14:creationId xmlns:p14="http://schemas.microsoft.com/office/powerpoint/2010/main" val="737808477"/>
       </p:ext>
     </p:extLst>
   </p:cSld>
   <p:clrMap bg1="lt1" tx1="dk1" bg2="lt2" tx2="dk2" accent1="accent1" accent2="accent2" accent3="accent3" accent4="accent4" accent5="accent5" accent6="accent6" hlink="hlink" folHlink="folHlink"/>
   <p:sldLayoutIdLst>
-    <p:sldLayoutId id="2147483661" r:id="rId1"/>
-    <p:sldLayoutId id="2147483662" r:id="rId2"/>
-    <p:sldLayoutId id="2147483663" r:id="rId3"/>
-    <p:sldLayoutId id="2147483664" r:id="rId4"/>
-    <p:sldLayoutId id="2147483665" r:id="rId5"/>
-    <p:sldLayoutId id="2147483666" r:id="rId6"/>
-    <p:sldLayoutId id="2147483667" r:id="rId7"/>
-    <p:sldLayoutId id="2147483668" r:id="rId8"/>
-    <p:sldLayoutId id="2147483669" r:id="rId9"/>
-    <p:sldLayoutId id="2147483670" r:id="rId10"/>
-    <p:sldLayoutId id="2147483671" r:id="rId11"/>
+    <p:sldLayoutId id="2147483673" r:id="rId1"/>
+    <p:sldLayoutId id="2147483674" r:id="rId2"/>
+    <p:sldLayoutId id="2147483675" r:id="rId3"/>
+    <p:sldLayoutId id="2147483676" r:id="rId4"/>
+    <p:sldLayoutId id="2147483677" r:id="rId5"/>
+    <p:sldLayoutId id="2147483678" r:id="rId6"/>
+    <p:sldLayoutId id="2147483679" r:id="rId7"/>
+    <p:sldLayoutId id="2147483680" r:id="rId8"/>
+    <p:sldLayoutId id="2147483681" r:id="rId9"/>
+    <p:sldLayoutId id="2147483682" r:id="rId10"/>
+    <p:sldLayoutId id="2147483683" r:id="rId11"/>
   </p:sldLayoutIdLst>
   <p:txStyles>
     <p:titleStyle>
-      <a:lvl1pPr algn="l" defTabSz="914400" rtl="0" eaLnBrk="1" latinLnBrk="0" hangingPunct="1">
+      <a:lvl1pPr algn="l" defTabSz="731520" rtl="0" eaLnBrk="1" latinLnBrk="0" hangingPunct="1">
         <a:lnSpc>
           <a:spcPct val="90000"/>
         </a:lnSpc>
@@ -2985,7 +3233,7 @@
           <a:spcPct val="0"/>
         </a:spcBef>
         <a:buNone/>
-        <a:defRPr sz="4400" kern="1200">
+        <a:defRPr sz="3520" kern="1200">
           <a:solidFill>
             <a:schemeClr val="tx1"/>
           </a:solidFill>
@@ -2996,16 +3244,16 @@
       </a:lvl1pPr>
     </p:titleStyle>
     <p:bodyStyle>
-      <a:lvl1pPr marL="228600" indent="-228600" algn="l" defTabSz="914400" rtl="0" eaLnBrk="1" latinLnBrk="0" hangingPunct="1">
+      <a:lvl1pPr marL="182880" indent="-182880" algn="l" defTabSz="731520" rtl="0" eaLnBrk="1" latinLnBrk="0" hangingPunct="1">
         <a:lnSpc>
           <a:spcPct val="90000"/>
         </a:lnSpc>
         <a:spcBef>
-          <a:spcPts val="1000"/>
+          <a:spcPts val="800"/>
         </a:spcBef>
         <a:buFont typeface="Arial" panose="020B0604020202020204" pitchFamily="34" charset="0"/>
         <a:buChar char="•"/>
-        <a:defRPr sz="2800" kern="1200">
+        <a:defRPr sz="2240" kern="1200">
           <a:solidFill>
             <a:schemeClr val="tx1"/>
           </a:solidFill>
@@ -3014,16 +3262,16 @@
           <a:cs typeface="+mn-cs"/>
         </a:defRPr>
       </a:lvl1pPr>
-      <a:lvl2pPr marL="685800" indent="-228600" algn="l" defTabSz="914400" rtl="0" eaLnBrk="1" latinLnBrk="0" hangingPunct="1">
+      <a:lvl2pPr marL="548640" indent="-182880" algn="l" defTabSz="731520" rtl="0" eaLnBrk="1" latinLnBrk="0" hangingPunct="1">
         <a:lnSpc>
           <a:spcPct val="90000"/>
         </a:lnSpc>
         <a:spcBef>
-          <a:spcPts val="500"/>
+          <a:spcPts val="400"/>
         </a:spcBef>
         <a:buFont typeface="Arial" panose="020B0604020202020204" pitchFamily="34" charset="0"/>
         <a:buChar char="•"/>
-        <a:defRPr sz="2400" kern="1200">
+        <a:defRPr sz="1920" kern="1200">
           <a:solidFill>
             <a:schemeClr val="tx1"/>
           </a:solidFill>
@@ -3032,16 +3280,16 @@
           <a:cs typeface="+mn-cs"/>
         </a:defRPr>
       </a:lvl2pPr>
-      <a:lvl3pPr marL="1143000" indent="-228600" algn="l" defTabSz="914400" rtl="0" eaLnBrk="1" latinLnBrk="0" hangingPunct="1">
+      <a:lvl3pPr marL="914400" indent="-182880" algn="l" defTabSz="731520" rtl="0" eaLnBrk="1" latinLnBrk="0" hangingPunct="1">
         <a:lnSpc>
           <a:spcPct val="90000"/>
         </a:lnSpc>
         <a:spcBef>
-          <a:spcPts val="500"/>
+          <a:spcPts val="400"/>
         </a:spcBef>
         <a:buFont typeface="Arial" panose="020B0604020202020204" pitchFamily="34" charset="0"/>
         <a:buChar char="•"/>
-        <a:defRPr sz="2000" kern="1200">
+        <a:defRPr sz="1600" kern="1200">
           <a:solidFill>
             <a:schemeClr val="tx1"/>
           </a:solidFill>
@@ -3050,16 +3298,16 @@
           <a:cs typeface="+mn-cs"/>
         </a:defRPr>
       </a:lvl3pPr>
-      <a:lvl4pPr marL="1600200" indent="-228600" algn="l" defTabSz="914400" rtl="0" eaLnBrk="1" latinLnBrk="0" hangingPunct="1">
+      <a:lvl4pPr marL="1280160" indent="-182880" algn="l" defTabSz="731520" rtl="0" eaLnBrk="1" latinLnBrk="0" hangingPunct="1">
         <a:lnSpc>
           <a:spcPct val="90000"/>
         </a:lnSpc>
         <a:spcBef>
-          <a:spcPts val="500"/>
+          <a:spcPts val="400"/>
         </a:spcBef>
         <a:buFont typeface="Arial" panose="020B0604020202020204" pitchFamily="34" charset="0"/>
         <a:buChar char="•"/>
-        <a:defRPr sz="1800" kern="1200">
+        <a:defRPr sz="1440" kern="1200">
           <a:solidFill>
             <a:schemeClr val="tx1"/>
           </a:solidFill>
@@ -3068,16 +3316,16 @@
           <a:cs typeface="+mn-cs"/>
         </a:defRPr>
       </a:lvl4pPr>
-      <a:lvl5pPr marL="2057400" indent="-228600" algn="l" defTabSz="914400" rtl="0" eaLnBrk="1" latinLnBrk="0" hangingPunct="1">
+      <a:lvl5pPr marL="1645920" indent="-182880" algn="l" defTabSz="731520" rtl="0" eaLnBrk="1" latinLnBrk="0" hangingPunct="1">
         <a:lnSpc>
           <a:spcPct val="90000"/>
         </a:lnSpc>
         <a:spcBef>
-          <a:spcPts val="500"/>
+          <a:spcPts val="400"/>
         </a:spcBef>
         <a:buFont typeface="Arial" panose="020B0604020202020204" pitchFamily="34" charset="0"/>
         <a:buChar char="•"/>
-        <a:defRPr sz="1800" kern="1200">
+        <a:defRPr sz="1440" kern="1200">
           <a:solidFill>
             <a:schemeClr val="tx1"/>
           </a:solidFill>
@@ -3086,16 +3334,16 @@
           <a:cs typeface="+mn-cs"/>
         </a:defRPr>
       </a:lvl5pPr>
-      <a:lvl6pPr marL="2514600" indent="-228600" algn="l" defTabSz="914400" rtl="0" eaLnBrk="1" latinLnBrk="0" hangingPunct="1">
+      <a:lvl6pPr marL="2011680" indent="-182880" algn="l" defTabSz="731520" rtl="0" eaLnBrk="1" latinLnBrk="0" hangingPunct="1">
         <a:lnSpc>
           <a:spcPct val="90000"/>
         </a:lnSpc>
         <a:spcBef>
-          <a:spcPts val="500"/>
+          <a:spcPts val="400"/>
         </a:spcBef>
         <a:buFont typeface="Arial" panose="020B0604020202020204" pitchFamily="34" charset="0"/>
         <a:buChar char="•"/>
-        <a:defRPr sz="1800" kern="1200">
+        <a:defRPr sz="1440" kern="1200">
           <a:solidFill>
             <a:schemeClr val="tx1"/>
           </a:solidFill>
@@ -3104,16 +3352,16 @@
           <a:cs typeface="+mn-cs"/>
         </a:defRPr>
       </a:lvl6pPr>
-      <a:lvl7pPr marL="2971800" indent="-228600" algn="l" defTabSz="914400" rtl="0" eaLnBrk="1" latinLnBrk="0" hangingPunct="1">
+      <a:lvl7pPr marL="2377440" indent="-182880" algn="l" defTabSz="731520" rtl="0" eaLnBrk="1" latinLnBrk="0" hangingPunct="1">
         <a:lnSpc>
           <a:spcPct val="90000"/>
         </a:lnSpc>
         <a:spcBef>
-          <a:spcPts val="500"/>
+          <a:spcPts val="400"/>
         </a:spcBef>
         <a:buFont typeface="Arial" panose="020B0604020202020204" pitchFamily="34" charset="0"/>
         <a:buChar char="•"/>
-        <a:defRPr sz="1800" kern="1200">
+        <a:defRPr sz="1440" kern="1200">
           <a:solidFill>
             <a:schemeClr val="tx1"/>
           </a:solidFill>
@@ -3122,16 +3370,16 @@
           <a:cs typeface="+mn-cs"/>
         </a:defRPr>
       </a:lvl7pPr>
-      <a:lvl8pPr marL="3429000" indent="-228600" algn="l" defTabSz="914400" rtl="0" eaLnBrk="1" latinLnBrk="0" hangingPunct="1">
+      <a:lvl8pPr marL="2743200" indent="-182880" algn="l" defTabSz="731520" rtl="0" eaLnBrk="1" latinLnBrk="0" hangingPunct="1">
         <a:lnSpc>
           <a:spcPct val="90000"/>
         </a:lnSpc>
         <a:spcBef>
-          <a:spcPts val="500"/>
+          <a:spcPts val="400"/>
         </a:spcBef>
         <a:buFont typeface="Arial" panose="020B0604020202020204" pitchFamily="34" charset="0"/>
         <a:buChar char="•"/>
-        <a:defRPr sz="1800" kern="1200">
+        <a:defRPr sz="1440" kern="1200">
           <a:solidFill>
             <a:schemeClr val="tx1"/>
           </a:solidFill>
@@ -3140,16 +3388,16 @@
           <a:cs typeface="+mn-cs"/>
         </a:defRPr>
       </a:lvl8pPr>
-      <a:lvl9pPr marL="3886200" indent="-228600" algn="l" defTabSz="914400" rtl="0" eaLnBrk="1" latinLnBrk="0" hangingPunct="1">
+      <a:lvl9pPr marL="3108960" indent="-182880" algn="l" defTabSz="731520" rtl="0" eaLnBrk="1" latinLnBrk="0" hangingPunct="1">
         <a:lnSpc>
           <a:spcPct val="90000"/>
         </a:lnSpc>
         <a:spcBef>
-          <a:spcPts val="500"/>
+          <a:spcPts val="400"/>
         </a:spcBef>
         <a:buFont typeface="Arial" panose="020B0604020202020204" pitchFamily="34" charset="0"/>
         <a:buChar char="•"/>
-        <a:defRPr sz="1800" kern="1200">
+        <a:defRPr sz="1440" kern="1200">
           <a:solidFill>
             <a:schemeClr val="tx1"/>
           </a:solidFill>
@@ -3163,8 +3411,8 @@
       <a:defPPr>
         <a:defRPr lang="en-US"/>
       </a:defPPr>
-      <a:lvl1pPr marL="0" algn="l" defTabSz="914400" rtl="0" eaLnBrk="1" latinLnBrk="0" hangingPunct="1">
-        <a:defRPr sz="1800" kern="1200">
+      <a:lvl1pPr marL="0" algn="l" defTabSz="731520" rtl="0" eaLnBrk="1" latinLnBrk="0" hangingPunct="1">
+        <a:defRPr sz="1440" kern="1200">
           <a:solidFill>
             <a:schemeClr val="tx1"/>
           </a:solidFill>
@@ -3173,8 +3421,8 @@
           <a:cs typeface="+mn-cs"/>
         </a:defRPr>
       </a:lvl1pPr>
-      <a:lvl2pPr marL="457200" algn="l" defTabSz="914400" rtl="0" eaLnBrk="1" latinLnBrk="0" hangingPunct="1">
-        <a:defRPr sz="1800" kern="1200">
+      <a:lvl2pPr marL="365760" algn="l" defTabSz="731520" rtl="0" eaLnBrk="1" latinLnBrk="0" hangingPunct="1">
+        <a:defRPr sz="1440" kern="1200">
           <a:solidFill>
             <a:schemeClr val="tx1"/>
           </a:solidFill>
@@ -3183,8 +3431,8 @@
           <a:cs typeface="+mn-cs"/>
         </a:defRPr>
       </a:lvl2pPr>
-      <a:lvl3pPr marL="914400" algn="l" defTabSz="914400" rtl="0" eaLnBrk="1" latinLnBrk="0" hangingPunct="1">
-        <a:defRPr sz="1800" kern="1200">
+      <a:lvl3pPr marL="731520" algn="l" defTabSz="731520" rtl="0" eaLnBrk="1" latinLnBrk="0" hangingPunct="1">
+        <a:defRPr sz="1440" kern="1200">
           <a:solidFill>
             <a:schemeClr val="tx1"/>
           </a:solidFill>
@@ -3193,8 +3441,8 @@
           <a:cs typeface="+mn-cs"/>
         </a:defRPr>
       </a:lvl3pPr>
-      <a:lvl4pPr marL="1371600" algn="l" defTabSz="914400" rtl="0" eaLnBrk="1" latinLnBrk="0" hangingPunct="1">
-        <a:defRPr sz="1800" kern="1200">
+      <a:lvl4pPr marL="1097280" algn="l" defTabSz="731520" rtl="0" eaLnBrk="1" latinLnBrk="0" hangingPunct="1">
+        <a:defRPr sz="1440" kern="1200">
           <a:solidFill>
             <a:schemeClr val="tx1"/>
           </a:solidFill>
@@ -3203,8 +3451,8 @@
           <a:cs typeface="+mn-cs"/>
         </a:defRPr>
       </a:lvl4pPr>
-      <a:lvl5pPr marL="1828800" algn="l" defTabSz="914400" rtl="0" eaLnBrk="1" latinLnBrk="0" hangingPunct="1">
-        <a:defRPr sz="1800" kern="1200">
+      <a:lvl5pPr marL="1463040" algn="l" defTabSz="731520" rtl="0" eaLnBrk="1" latinLnBrk="0" hangingPunct="1">
+        <a:defRPr sz="1440" kern="1200">
           <a:solidFill>
             <a:schemeClr val="tx1"/>
           </a:solidFill>
@@ -3213,8 +3461,8 @@
           <a:cs typeface="+mn-cs"/>
         </a:defRPr>
       </a:lvl5pPr>
-      <a:lvl6pPr marL="2286000" algn="l" defTabSz="914400" rtl="0" eaLnBrk="1" latinLnBrk="0" hangingPunct="1">
-        <a:defRPr sz="1800" kern="1200">
+      <a:lvl6pPr marL="1828800" algn="l" defTabSz="731520" rtl="0" eaLnBrk="1" latinLnBrk="0" hangingPunct="1">
+        <a:defRPr sz="1440" kern="1200">
           <a:solidFill>
             <a:schemeClr val="tx1"/>
           </a:solidFill>
@@ -3223,8 +3471,8 @@
           <a:cs typeface="+mn-cs"/>
         </a:defRPr>
       </a:lvl6pPr>
-      <a:lvl7pPr marL="2743200" algn="l" defTabSz="914400" rtl="0" eaLnBrk="1" latinLnBrk="0" hangingPunct="1">
-        <a:defRPr sz="1800" kern="1200">
+      <a:lvl7pPr marL="2194560" algn="l" defTabSz="731520" rtl="0" eaLnBrk="1" latinLnBrk="0" hangingPunct="1">
+        <a:defRPr sz="1440" kern="1200">
           <a:solidFill>
             <a:schemeClr val="tx1"/>
           </a:solidFill>
@@ -3233,8 +3481,8 @@
           <a:cs typeface="+mn-cs"/>
         </a:defRPr>
       </a:lvl7pPr>
-      <a:lvl8pPr marL="3200400" algn="l" defTabSz="914400" rtl="0" eaLnBrk="1" latinLnBrk="0" hangingPunct="1">
-        <a:defRPr sz="1800" kern="1200">
+      <a:lvl8pPr marL="2560320" algn="l" defTabSz="731520" rtl="0" eaLnBrk="1" latinLnBrk="0" hangingPunct="1">
+        <a:defRPr sz="1440" kern="1200">
           <a:solidFill>
             <a:schemeClr val="tx1"/>
           </a:solidFill>
@@ -3243,8 +3491,8 @@
           <a:cs typeface="+mn-cs"/>
         </a:defRPr>
       </a:lvl8pPr>
-      <a:lvl9pPr marL="3657600" algn="l" defTabSz="914400" rtl="0" eaLnBrk="1" latinLnBrk="0" hangingPunct="1">
-        <a:defRPr sz="1800" kern="1200">
+      <a:lvl9pPr marL="2926080" algn="l" defTabSz="731520" rtl="0" eaLnBrk="1" latinLnBrk="0" hangingPunct="1">
+        <a:defRPr sz="1440" kern="1200">
           <a:solidFill>
             <a:schemeClr val="tx1"/>
           </a:solidFill>
@@ -3277,10 +3525,10 @@
       </p:grpSpPr>
       <p:sp>
         <p:nvSpPr>
-          <p:cNvPr id="4" name="Freeform: Shape 3">
+          <p:cNvPr id="19" name="Freeform: Shape 18">
             <a:extLst>
               <a:ext uri="{FF2B5EF4-FFF2-40B4-BE49-F238E27FC236}">
-                <a16:creationId xmlns:a16="http://schemas.microsoft.com/office/drawing/2014/main" id="{4E936606-F1B2-4456-AB69-711456B503DF}"/>
+                <a16:creationId xmlns:a16="http://schemas.microsoft.com/office/drawing/2014/main" id="{B01D26C9-34FF-4217-A79B-A7D1B5916823}"/>
               </a:ext>
             </a:extLst>
           </p:cNvPr>
@@ -3289,8 +3537,8 @@
         </p:nvSpPr>
         <p:spPr>
           <a:xfrm>
-            <a:off x="243840" y="687187"/>
-            <a:ext cx="2515985" cy="1651460"/>
+            <a:off x="157212" y="677964"/>
+            <a:ext cx="2072182" cy="1703740"/>
           </a:xfrm>
           <a:custGeom>
             <a:avLst/>
@@ -3404,7 +3652,9 @@
               </a:path>
             </a:pathLst>
           </a:custGeom>
-          <a:noFill/>
+          <a:solidFill>
+            <a:schemeClr val="bg1"/>
+          </a:solidFill>
         </p:spPr>
         <p:style>
           <a:lnRef idx="2">
@@ -3440,7 +3690,7 @@
                   <a:schemeClr val="tx1"/>
                 </a:solidFill>
               </a:rPr>
-              <a:t>nextEvent</a:t>
+              <a:t>nextRFEvent</a:t>
             </a:r>
             <a:r>
               <a:rPr lang="en-US" sz="1200" dirty="0">
@@ -3500,23 +3750,7 @@
                   <a:schemeClr val="tx1"/>
                 </a:solidFill>
               </a:rPr>
-              <a:t> == </a:t>
-            </a:r>
-            <a:r>
-              <a:rPr lang="en-US" sz="1200" dirty="0" err="1">
-                <a:solidFill>
-                  <a:schemeClr val="tx1"/>
-                </a:solidFill>
-              </a:rPr>
-              <a:t>knownNodes</a:t>
-            </a:r>
-            <a:r>
-              <a:rPr lang="en-US" sz="1200" dirty="0">
-                <a:solidFill>
-                  <a:schemeClr val="tx1"/>
-                </a:solidFill>
-              </a:rPr>
-              <a:t>[</a:t>
+              <a:t> == nodes[</a:t>
             </a:r>
             <a:r>
               <a:rPr lang="en-US" sz="1200" dirty="0" err="1">
@@ -3550,20 +3784,12 @@
           </a:p>
           <a:p>
             <a:r>
-              <a:rPr lang="en-US" sz="1200" dirty="0" err="1">
-                <a:solidFill>
-                  <a:schemeClr val="tx1"/>
-                </a:solidFill>
-              </a:rPr>
-              <a:t>knownNodes</a:t>
-            </a:r>
-            <a:r>
-              <a:rPr lang="en-US" sz="1200" dirty="0">
-                <a:solidFill>
-                  <a:schemeClr val="tx1"/>
-                </a:solidFill>
-              </a:rPr>
-              <a:t>[</a:t>
+              <a:rPr lang="en-US" sz="1200" dirty="0">
+                <a:solidFill>
+                  <a:schemeClr val="tx1"/>
+                </a:solidFill>
+              </a:rPr>
+              <a:t>nodes[</a:t>
             </a:r>
             <a:r>
               <a:rPr lang="en-US" sz="1200" dirty="0" err="1">
@@ -3613,20 +3839,12 @@
           </a:p>
           <a:p>
             <a:r>
-              <a:rPr lang="en-US" sz="1200" dirty="0" err="1">
-                <a:solidFill>
-                  <a:schemeClr val="tx1"/>
-                </a:solidFill>
-              </a:rPr>
-              <a:t>knownNodes</a:t>
-            </a:r>
-            <a:r>
-              <a:rPr lang="en-US" sz="1200" dirty="0">
-                <a:solidFill>
-                  <a:schemeClr val="tx1"/>
-                </a:solidFill>
-              </a:rPr>
-              <a:t>[</a:t>
+              <a:rPr lang="en-US" sz="1200" dirty="0">
+                <a:solidFill>
+                  <a:schemeClr val="tx1"/>
+                </a:solidFill>
+              </a:rPr>
+              <a:t>nodes[</a:t>
             </a:r>
             <a:r>
               <a:rPr lang="en-US" sz="1200" dirty="0" err="1">
@@ -3692,10 +3910,10 @@
       </p:sp>
       <p:cxnSp>
         <p:nvCxnSpPr>
-          <p:cNvPr id="7" name="Straight Connector 6">
+          <p:cNvPr id="21" name="Straight Connector 20">
             <a:extLst>
               <a:ext uri="{FF2B5EF4-FFF2-40B4-BE49-F238E27FC236}">
-                <a16:creationId xmlns:a16="http://schemas.microsoft.com/office/drawing/2014/main" id="{E78BE08A-93AA-4AD6-8B48-9B3A8F615080}"/>
+                <a16:creationId xmlns:a16="http://schemas.microsoft.com/office/drawing/2014/main" id="{1FBC6F37-96C5-405A-98EB-7514CDC08B00}"/>
               </a:ext>
             </a:extLst>
           </p:cNvPr>
@@ -3705,9 +3923,9 @@
           <p:nvPr/>
         </p:nvCxnSpPr>
         <p:spPr>
-          <a:xfrm>
-            <a:off x="263236" y="1718216"/>
-            <a:ext cx="2424546" cy="0"/>
+          <a:xfrm flipV="1">
+            <a:off x="214495" y="1765400"/>
+            <a:ext cx="1931444" cy="17699"/>
           </a:xfrm>
           <a:prstGeom prst="line">
             <a:avLst/>
@@ -3736,10 +3954,10 @@
       </p:cxnSp>
       <p:cxnSp>
         <p:nvCxnSpPr>
-          <p:cNvPr id="8" name="Straight Connector 7">
+          <p:cNvPr id="22" name="Straight Connector 21">
             <a:extLst>
               <a:ext uri="{FF2B5EF4-FFF2-40B4-BE49-F238E27FC236}">
-                <a16:creationId xmlns:a16="http://schemas.microsoft.com/office/drawing/2014/main" id="{12D8DF9D-8AA2-4A3F-AA1E-32622C0BC06E}"/>
+                <a16:creationId xmlns:a16="http://schemas.microsoft.com/office/drawing/2014/main" id="{C335E4B3-2D34-4E7B-816B-B364B9B39540}"/>
               </a:ext>
             </a:extLst>
           </p:cNvPr>
@@ -3750,8 +3968,8 @@
         </p:nvCxnSpPr>
         <p:spPr>
           <a:xfrm>
-            <a:off x="281939" y="637302"/>
-            <a:ext cx="2439785" cy="0"/>
+            <a:off x="257086" y="629547"/>
+            <a:ext cx="1972308" cy="0"/>
           </a:xfrm>
           <a:prstGeom prst="line">
             <a:avLst/>
@@ -3780,10 +3998,10 @@
       </p:cxnSp>
       <p:sp>
         <p:nvSpPr>
-          <p:cNvPr id="11" name="TextBox 10">
+          <p:cNvPr id="24" name="TextBox 23">
             <a:extLst>
               <a:ext uri="{FF2B5EF4-FFF2-40B4-BE49-F238E27FC236}">
-                <a16:creationId xmlns:a16="http://schemas.microsoft.com/office/drawing/2014/main" id="{47BAB675-06BD-4A31-ADD7-34F0B9307E64}"/>
+                <a16:creationId xmlns:a16="http://schemas.microsoft.com/office/drawing/2014/main" id="{3642F23E-F24F-4864-BB39-D1B3116462D7}"/>
               </a:ext>
             </a:extLst>
           </p:cNvPr>
@@ -3792,7 +4010,7 @@
         </p:nvSpPr>
         <p:spPr>
           <a:xfrm>
-            <a:off x="1600198" y="1727031"/>
+            <a:off x="1248377" y="1765400"/>
             <a:ext cx="1185949" cy="338554"/>
           </a:xfrm>
           <a:prstGeom prst="rect">
@@ -3819,10 +4037,10 @@
       </p:sp>
       <p:sp>
         <p:nvSpPr>
-          <p:cNvPr id="15" name="Freeform: Shape 14">
+          <p:cNvPr id="25" name="Freeform: Shape 24">
             <a:extLst>
               <a:ext uri="{FF2B5EF4-FFF2-40B4-BE49-F238E27FC236}">
-                <a16:creationId xmlns:a16="http://schemas.microsoft.com/office/drawing/2014/main" id="{47829C96-FF67-4A53-939E-9223E8B51F68}"/>
+                <a16:creationId xmlns:a16="http://schemas.microsoft.com/office/drawing/2014/main" id="{65528F98-0735-441E-9192-03B0BE9B876F}"/>
               </a:ext>
             </a:extLst>
           </p:cNvPr>
@@ -3831,8 +4049,8 @@
         </p:nvSpPr>
         <p:spPr>
           <a:xfrm>
-            <a:off x="234142" y="2288772"/>
-            <a:ext cx="2515985" cy="609600"/>
+            <a:off x="156754" y="2382221"/>
+            <a:ext cx="2072182" cy="609600"/>
           </a:xfrm>
           <a:custGeom>
             <a:avLst/>
@@ -4007,7 +4225,7 @@
           </a:p>
           <a:p>
             <a:r>
-              <a:rPr lang="en-US" sz="1200" dirty="0" err="1">
+              <a:rPr lang="en-US" sz="1200" dirty="0">
                 <a:solidFill>
                   <a:schemeClr val="tx1">
                     <a:lumMod val="50000"/>
@@ -4015,18 +4233,7 @@
                   </a:schemeClr>
                 </a:solidFill>
               </a:rPr>
-              <a:t>knownNodes</a:t>
-            </a:r>
-            <a:r>
-              <a:rPr lang="en-US" sz="1200" dirty="0">
-                <a:solidFill>
-                  <a:schemeClr val="tx1">
-                    <a:lumMod val="50000"/>
-                    <a:lumOff val="50000"/>
-                  </a:schemeClr>
-                </a:solidFill>
-              </a:rPr>
-              <a:t>[</a:t>
+              <a:t>nodes[</a:t>
             </a:r>
             <a:r>
               <a:rPr lang="en-US" sz="1200" dirty="0" err="1">
@@ -4087,10 +4294,10 @@
       </p:sp>
       <p:sp>
         <p:nvSpPr>
-          <p:cNvPr id="16" name="TextBox 15">
+          <p:cNvPr id="26" name="TextBox 25">
             <a:extLst>
               <a:ext uri="{FF2B5EF4-FFF2-40B4-BE49-F238E27FC236}">
-                <a16:creationId xmlns:a16="http://schemas.microsoft.com/office/drawing/2014/main" id="{8A8BFFBE-3128-4481-8EC9-78FF1DF26DD2}"/>
+                <a16:creationId xmlns:a16="http://schemas.microsoft.com/office/drawing/2014/main" id="{B0DD9B80-7988-434D-9409-8DFBD3B8C352}"/>
               </a:ext>
             </a:extLst>
           </p:cNvPr>
@@ -4099,7 +4306,7 @@
         </p:nvSpPr>
         <p:spPr>
           <a:xfrm>
-            <a:off x="1650768" y="313122"/>
+            <a:off x="1217553" y="282562"/>
             <a:ext cx="1185949" cy="338554"/>
           </a:xfrm>
           <a:prstGeom prst="rect">
@@ -4126,10 +4333,10 @@
       </p:sp>
       <p:sp>
         <p:nvSpPr>
-          <p:cNvPr id="20" name="Flowchart: Document 19">
+          <p:cNvPr id="28" name="Flowchart: Document 27">
             <a:extLst>
               <a:ext uri="{FF2B5EF4-FFF2-40B4-BE49-F238E27FC236}">
-                <a16:creationId xmlns:a16="http://schemas.microsoft.com/office/drawing/2014/main" id="{C08DE86E-F53D-4B10-9778-144F10C4BC45}"/>
+                <a16:creationId xmlns:a16="http://schemas.microsoft.com/office/drawing/2014/main" id="{AEB903A4-684B-48F9-81DF-2E1F4C0ED098}"/>
               </a:ext>
             </a:extLst>
           </p:cNvPr>
@@ -4138,8 +4345,8 @@
         </p:nvSpPr>
         <p:spPr>
           <a:xfrm>
-            <a:off x="5501638" y="2308673"/>
-            <a:ext cx="3408220" cy="2723297"/>
+            <a:off x="4550397" y="2687021"/>
+            <a:ext cx="2723521" cy="2261171"/>
           </a:xfrm>
           <a:prstGeom prst="flowChartDocument">
             <a:avLst/>
@@ -4168,16 +4375,13 @@
           <a:bodyPr rtlCol="0" anchor="t" anchorCtr="0"/>
           <a:lstStyle/>
           <a:p>
-            <a:pPr marL="228600" indent="-228600">
-              <a:buAutoNum type="arabicPlain"/>
-            </a:pPr>
-            <a:r>
-              <a:rPr lang="en-US" sz="1200" dirty="0">
-                <a:solidFill>
-                  <a:schemeClr val="tx1"/>
-                </a:solidFill>
-              </a:rPr>
-              <a:t>static void </a:t>
+            <a:r>
+              <a:rPr lang="en-US" sz="1200" dirty="0">
+                <a:solidFill>
+                  <a:schemeClr val="tx1"/>
+                </a:solidFill>
+              </a:rPr>
+              <a:t>Function </a:t>
             </a:r>
             <a:r>
               <a:rPr lang="en-US" sz="1200" dirty="0" err="1">
@@ -4193,20 +4397,17 @@
                   <a:schemeClr val="tx1"/>
                 </a:solidFill>
               </a:rPr>
-              <a:t>(struct Node* node) {</a:t>
-            </a:r>
-          </a:p>
-          <a:p>
-            <a:pPr marL="228600" indent="-228600">
-              <a:buAutoNum type="arabicPlain"/>
-            </a:pPr>
-            <a:r>
-              <a:rPr lang="en-US" sz="1200" dirty="0">
-                <a:solidFill>
-                  <a:schemeClr val="tx1"/>
-                </a:solidFill>
-              </a:rPr>
-              <a:t>    uint8_t </a:t>
+              <a:t>(Node* node) {</a:t>
+            </a:r>
+          </a:p>
+          <a:p>
+            <a:r>
+              <a:rPr lang="en-US" sz="1200" dirty="0">
+                <a:solidFill>
+                  <a:schemeClr val="tx1"/>
+                </a:solidFill>
+              </a:rPr>
+              <a:t>     for (</a:t>
             </a:r>
             <a:r>
               <a:rPr lang="en-US" sz="1200" dirty="0" err="1">
@@ -4222,20 +4423,7 @@
                   <a:schemeClr val="tx1"/>
                 </a:solidFill>
               </a:rPr>
-              <a:t>;</a:t>
-            </a:r>
-          </a:p>
-          <a:p>
-            <a:pPr marL="228600" indent="-228600">
-              <a:buAutoNum type="arabicPlain"/>
-            </a:pPr>
-            <a:r>
-              <a:rPr lang="en-US" sz="1200" dirty="0">
-                <a:solidFill>
-                  <a:schemeClr val="tx1"/>
-                </a:solidFill>
-              </a:rPr>
-              <a:t>    for (</a:t>
+              <a:t> = 0; </a:t>
             </a:r>
             <a:r>
               <a:rPr lang="en-US" sz="1200" dirty="0" err="1">
@@ -4251,7 +4439,7 @@
                   <a:schemeClr val="tx1"/>
                 </a:solidFill>
               </a:rPr>
-              <a:t> = 0; </a:t>
+              <a:t> &lt; MAX_NODES; </a:t>
             </a:r>
             <a:r>
               <a:rPr lang="en-US" sz="1200" dirty="0" err="1">
@@ -4267,7 +4455,17 @@
                   <a:schemeClr val="tx1"/>
                 </a:solidFill>
               </a:rPr>
-              <a:t> &lt; MAX_NODES; </a:t>
+              <a:t>++) { </a:t>
+            </a:r>
+          </a:p>
+          <a:p>
+            <a:r>
+              <a:rPr lang="en-US" sz="1200" dirty="0">
+                <a:solidFill>
+                  <a:schemeClr val="tx1"/>
+                </a:solidFill>
+              </a:rPr>
+              <a:t>          if (nodes[</a:t>
             </a:r>
             <a:r>
               <a:rPr lang="en-US" sz="1200" dirty="0" err="1">
@@ -4283,20 +4481,7 @@
                   <a:schemeClr val="tx1"/>
                 </a:solidFill>
               </a:rPr>
-              <a:t>++) { </a:t>
-            </a:r>
-          </a:p>
-          <a:p>
-            <a:pPr marL="228600" indent="-228600">
-              <a:buAutoNum type="arabicPlain"/>
-            </a:pPr>
-            <a:r>
-              <a:rPr lang="en-US" sz="1200" dirty="0">
-                <a:solidFill>
-                  <a:schemeClr val="tx1"/>
-                </a:solidFill>
-              </a:rPr>
-              <a:t>          if (</a:t>
+              <a:t>].</a:t>
             </a:r>
             <a:r>
               <a:rPr lang="en-US" sz="1200" dirty="0" err="1">
@@ -4304,15 +4489,15 @@
                   <a:schemeClr val="tx1"/>
                 </a:solidFill>
               </a:rPr>
-              <a:t>knownNodes</a:t>
-            </a:r>
-            <a:r>
-              <a:rPr lang="en-US" sz="1200" dirty="0">
-                <a:solidFill>
-                  <a:schemeClr val="tx1"/>
-                </a:solidFill>
-              </a:rPr>
-              <a:t>[</a:t>
+              <a:t>addr</a:t>
+            </a:r>
+            <a:r>
+              <a:rPr lang="en-US" sz="1200" dirty="0">
+                <a:solidFill>
+                  <a:schemeClr val="tx1"/>
+                </a:solidFill>
+              </a:rPr>
+              <a:t> == node-&gt;</a:t>
             </a:r>
             <a:r>
               <a:rPr lang="en-US" sz="1200" dirty="0" err="1">
@@ -4320,6 +4505,32 @@
                   <a:schemeClr val="tx1"/>
                 </a:solidFill>
               </a:rPr>
+              <a:t>addr</a:t>
+            </a:r>
+            <a:r>
+              <a:rPr lang="en-US" sz="1200" dirty="0">
+                <a:solidFill>
+                  <a:schemeClr val="tx1"/>
+                </a:solidFill>
+              </a:rPr>
+              <a:t>) { </a:t>
+            </a:r>
+          </a:p>
+          <a:p>
+            <a:r>
+              <a:rPr lang="en-US" sz="1200" dirty="0">
+                <a:solidFill>
+                  <a:schemeClr val="tx1"/>
+                </a:solidFill>
+              </a:rPr>
+              <a:t>               nodes[</a:t>
+            </a:r>
+            <a:r>
+              <a:rPr lang="en-US" sz="1200" dirty="0" err="1">
+                <a:solidFill>
+                  <a:schemeClr val="tx1"/>
+                </a:solidFill>
+              </a:rPr>
               <a:t>i</a:t>
             </a:r>
             <a:r>
@@ -4336,15 +4547,15 @@
                   <a:schemeClr val="tx1"/>
                 </a:solidFill>
               </a:rPr>
-              <a:t>addr</a:t>
-            </a:r>
-            <a:r>
-              <a:rPr lang="en-US" sz="1200" dirty="0">
-                <a:solidFill>
-                  <a:schemeClr val="tx1"/>
-                </a:solidFill>
-              </a:rPr>
-              <a:t> == node-&gt;</a:t>
+              <a:t>adc</a:t>
+            </a:r>
+            <a:r>
+              <a:rPr lang="en-US" sz="1200" dirty="0">
+                <a:solidFill>
+                  <a:schemeClr val="tx1"/>
+                </a:solidFill>
+              </a:rPr>
+              <a:t> = node-&gt;</a:t>
             </a:r>
             <a:r>
               <a:rPr lang="en-US" sz="1200" dirty="0" err="1">
@@ -4352,28 +4563,25 @@
                   <a:schemeClr val="tx1"/>
                 </a:solidFill>
               </a:rPr>
-              <a:t>addr</a:t>
-            </a:r>
-            <a:r>
-              <a:rPr lang="en-US" sz="1200" dirty="0">
-                <a:solidFill>
-                  <a:schemeClr val="tx1"/>
-                </a:solidFill>
-              </a:rPr>
-              <a:t>) { </a:t>
-            </a:r>
-          </a:p>
-          <a:p>
-            <a:pPr marL="228600" indent="-228600">
-              <a:buAutoNum type="arabicPlain"/>
-            </a:pPr>
-            <a:r>
-              <a:rPr lang="en-US" sz="1200" dirty="0">
-                <a:solidFill>
-                  <a:schemeClr val="tx1"/>
-                </a:solidFill>
-              </a:rPr>
-              <a:t>               </a:t>
+              <a:t>adc</a:t>
+            </a:r>
+            <a:r>
+              <a:rPr lang="en-US" sz="1200" dirty="0">
+                <a:solidFill>
+                  <a:schemeClr val="tx1"/>
+                </a:solidFill>
+              </a:rPr>
+              <a:t>;    </a:t>
+            </a:r>
+          </a:p>
+          <a:p>
+            <a:r>
+              <a:rPr lang="en-US" sz="1200" dirty="0">
+                <a:solidFill>
+                  <a:schemeClr val="tx1"/>
+                </a:solidFill>
+              </a:rPr>
+              <a:t>                nodes[</a:t>
             </a:r>
             <a:r>
               <a:rPr lang="en-US" sz="1200" dirty="0" err="1">
@@ -4381,15 +4589,15 @@
                   <a:schemeClr val="tx1"/>
                 </a:solidFill>
               </a:rPr>
-              <a:t>knownNodes</a:t>
-            </a:r>
-            <a:r>
-              <a:rPr lang="en-US" sz="1200" dirty="0">
-                <a:solidFill>
-                  <a:schemeClr val="tx1"/>
-                </a:solidFill>
-              </a:rPr>
-              <a:t>[</a:t>
+              <a:t>i</a:t>
+            </a:r>
+            <a:r>
+              <a:rPr lang="en-US" sz="1200" dirty="0">
+                <a:solidFill>
+                  <a:schemeClr val="tx1"/>
+                </a:solidFill>
+              </a:rPr>
+              <a:t>].</a:t>
             </a:r>
             <a:r>
               <a:rPr lang="en-US" sz="1200" dirty="0" err="1">
@@ -4397,15 +4605,15 @@
                   <a:schemeClr val="tx1"/>
                 </a:solidFill>
               </a:rPr>
-              <a:t>i</a:t>
-            </a:r>
-            <a:r>
-              <a:rPr lang="en-US" sz="1200" dirty="0">
-                <a:solidFill>
-                  <a:schemeClr val="tx1"/>
-                </a:solidFill>
-              </a:rPr>
-              <a:t>].</a:t>
+              <a:t>rssi</a:t>
+            </a:r>
+            <a:r>
+              <a:rPr lang="en-US" sz="1200" dirty="0">
+                <a:solidFill>
+                  <a:schemeClr val="tx1"/>
+                </a:solidFill>
+              </a:rPr>
+              <a:t> = node-&gt;</a:t>
             </a:r>
             <a:r>
               <a:rPr lang="en-US" sz="1200" dirty="0" err="1">
@@ -4413,83 +4621,6 @@
                   <a:schemeClr val="tx1"/>
                 </a:solidFill>
               </a:rPr>
-              <a:t>adc</a:t>
-            </a:r>
-            <a:r>
-              <a:rPr lang="en-US" sz="1200" dirty="0">
-                <a:solidFill>
-                  <a:schemeClr val="tx1"/>
-                </a:solidFill>
-              </a:rPr>
-              <a:t> = node-&gt;</a:t>
-            </a:r>
-            <a:r>
-              <a:rPr lang="en-US" sz="1200" dirty="0" err="1">
-                <a:solidFill>
-                  <a:schemeClr val="tx1"/>
-                </a:solidFill>
-              </a:rPr>
-              <a:t>adc</a:t>
-            </a:r>
-            <a:r>
-              <a:rPr lang="en-US" sz="1200" dirty="0">
-                <a:solidFill>
-                  <a:schemeClr val="tx1"/>
-                </a:solidFill>
-              </a:rPr>
-              <a:t>;    </a:t>
-            </a:r>
-          </a:p>
-          <a:p>
-            <a:pPr marL="228600" indent="-228600">
-              <a:buAutoNum type="arabicPlain"/>
-            </a:pPr>
-            <a:r>
-              <a:rPr lang="en-US" sz="1200" dirty="0">
-                <a:solidFill>
-                  <a:schemeClr val="tx1"/>
-                </a:solidFill>
-              </a:rPr>
-              <a:t>               </a:t>
-            </a:r>
-            <a:r>
-              <a:rPr lang="en-US" sz="1200" dirty="0" err="1">
-                <a:solidFill>
-                  <a:schemeClr val="tx1"/>
-                </a:solidFill>
-              </a:rPr>
-              <a:t>knownNodes</a:t>
-            </a:r>
-            <a:r>
-              <a:rPr lang="en-US" sz="1200" dirty="0">
-                <a:solidFill>
-                  <a:schemeClr val="tx1"/>
-                </a:solidFill>
-              </a:rPr>
-              <a:t>[</a:t>
-            </a:r>
-            <a:r>
-              <a:rPr lang="en-US" sz="1200" dirty="0" err="1">
-                <a:solidFill>
-                  <a:schemeClr val="tx1"/>
-                </a:solidFill>
-              </a:rPr>
-              <a:t>i</a:t>
-            </a:r>
-            <a:r>
-              <a:rPr lang="en-US" sz="1200" dirty="0">
-                <a:solidFill>
-                  <a:schemeClr val="tx1"/>
-                </a:solidFill>
-              </a:rPr>
-              <a:t>].</a:t>
-            </a:r>
-            <a:r>
-              <a:rPr lang="en-US" sz="1200" dirty="0" err="1">
-                <a:solidFill>
-                  <a:schemeClr val="tx1"/>
-                </a:solidFill>
-              </a:rPr>
               <a:t>rssi</a:t>
             </a:r>
             <a:r>
@@ -4498,29 +4629,10 @@
                   <a:schemeClr val="tx1"/>
                 </a:solidFill>
               </a:rPr>
-              <a:t> = node-&gt;</a:t>
-            </a:r>
-            <a:r>
-              <a:rPr lang="en-US" sz="1200" dirty="0" err="1">
-                <a:solidFill>
-                  <a:schemeClr val="tx1"/>
-                </a:solidFill>
-              </a:rPr>
-              <a:t>rssi</a:t>
-            </a:r>
-            <a:r>
-              <a:rPr lang="en-US" sz="1200" dirty="0">
-                <a:solidFill>
-                  <a:schemeClr val="tx1"/>
-                </a:solidFill>
-              </a:rPr>
               <a:t>;  </a:t>
             </a:r>
           </a:p>
           <a:p>
-            <a:pPr marL="228600" indent="-228600">
-              <a:buAutoNum type="arabicPlain"/>
-            </a:pPr>
             <a:endParaRPr lang="en-US" sz="1200" dirty="0">
               <a:solidFill>
                 <a:schemeClr val="tx1"/>
@@ -4528,26 +4640,13 @@
             </a:endParaRPr>
           </a:p>
           <a:p>
-            <a:pPr marL="228600" indent="-228600">
-              <a:buAutoNum type="arabicPlain"/>
-            </a:pPr>
-            <a:endParaRPr lang="en-US" sz="1200" dirty="0">
-              <a:solidFill>
-                <a:schemeClr val="tx1"/>
-              </a:solidFill>
-            </a:endParaRPr>
-          </a:p>
-          <a:p>
-            <a:pPr marL="228600" indent="-228600">
-              <a:buAutoNum type="arabicPlain"/>
-            </a:pPr>
-            <a:r>
-              <a:rPr lang="en-US" sz="1200" dirty="0">
-                <a:solidFill>
-                  <a:schemeClr val="tx1"/>
-                </a:solidFill>
-              </a:rPr>
-              <a:t>               </a:t>
+            <a:r>
+              <a:rPr lang="en-US" sz="1200" dirty="0">
+                <a:solidFill>
+                  <a:schemeClr val="tx1"/>
+                </a:solidFill>
+              </a:rPr>
+              <a:t>               nodes[</a:t>
             </a:r>
             <a:r>
               <a:rPr lang="en-US" sz="1200" dirty="0" err="1">
@@ -4555,22 +4654,6 @@
                   <a:schemeClr val="tx1"/>
                 </a:solidFill>
               </a:rPr>
-              <a:t>knownNodes</a:t>
-            </a:r>
-            <a:r>
-              <a:rPr lang="en-US" sz="1200" dirty="0">
-                <a:solidFill>
-                  <a:schemeClr val="tx1"/>
-                </a:solidFill>
-              </a:rPr>
-              <a:t>[</a:t>
-            </a:r>
-            <a:r>
-              <a:rPr lang="en-US" sz="1200" dirty="0" err="1">
-                <a:solidFill>
-                  <a:schemeClr val="tx1"/>
-                </a:solidFill>
-              </a:rPr>
               <a:t>i</a:t>
             </a:r>
             <a:r>
@@ -4583,9 +4666,6 @@
             </a:r>
           </a:p>
           <a:p>
-            <a:pPr marL="228600" indent="-228600">
-              <a:buAutoNum type="arabicPlain"/>
-            </a:pPr>
             <a:r>
               <a:rPr lang="en-US" sz="1200" dirty="0">
                 <a:solidFill>
@@ -4596,9 +4676,6 @@
             </a:r>
           </a:p>
           <a:p>
-            <a:pPr marL="228600" indent="-228600">
-              <a:buAutoNum type="arabicPlain"/>
-            </a:pPr>
             <a:r>
               <a:rPr lang="en-US" sz="1200" dirty="0">
                 <a:solidFill>
@@ -4609,9 +4686,6 @@
             </a:r>
           </a:p>
           <a:p>
-            <a:pPr marL="228600" indent="-228600">
-              <a:buAutoNum type="arabicPlain"/>
-            </a:pPr>
             <a:r>
               <a:rPr lang="en-US" sz="1200" dirty="0">
                 <a:solidFill>
@@ -4622,9 +4696,6 @@
             </a:r>
           </a:p>
           <a:p>
-            <a:pPr marL="228600" indent="-228600">
-              <a:buAutoNum type="arabicPlain"/>
-            </a:pPr>
             <a:r>
               <a:rPr lang="en-US" sz="1200" dirty="0">
                 <a:solidFill>
@@ -4638,10 +4709,10 @@
       </p:sp>
       <p:sp>
         <p:nvSpPr>
-          <p:cNvPr id="5" name="Freeform: Shape 4">
+          <p:cNvPr id="29" name="Freeform: Shape 28">
             <a:extLst>
               <a:ext uri="{FF2B5EF4-FFF2-40B4-BE49-F238E27FC236}">
-                <a16:creationId xmlns:a16="http://schemas.microsoft.com/office/drawing/2014/main" id="{642E80F8-A808-489E-8FB1-293379AC7E77}"/>
+                <a16:creationId xmlns:a16="http://schemas.microsoft.com/office/drawing/2014/main" id="{3FF4FDB3-F69E-47CE-97E9-BDEDBFE3721F}"/>
               </a:ext>
             </a:extLst>
           </p:cNvPr>
@@ -4650,8 +4721,8 @@
         </p:nvSpPr>
         <p:spPr>
           <a:xfrm>
-            <a:off x="2608809" y="735809"/>
-            <a:ext cx="2612969" cy="1894790"/>
+            <a:off x="2252398" y="736697"/>
+            <a:ext cx="2184002" cy="1747108"/>
           </a:xfrm>
           <a:custGeom>
             <a:avLst/>
@@ -4803,7 +4874,7 @@
                   <a:schemeClr val="tx1"/>
                 </a:solidFill>
               </a:rPr>
-              <a:t>nextEvent</a:t>
+              <a:t>nextRFEvent</a:t>
             </a:r>
             <a:r>
               <a:rPr lang="en-US" sz="1200" dirty="0">
@@ -4831,23 +4902,7 @@
                   <a:schemeClr val="tx1"/>
                 </a:solidFill>
               </a:rPr>
-              <a:t>If node2.addr == </a:t>
-            </a:r>
-            <a:r>
-              <a:rPr lang="en-US" sz="1200" dirty="0" err="1">
-                <a:solidFill>
-                  <a:schemeClr val="tx1"/>
-                </a:solidFill>
-              </a:rPr>
-              <a:t>knownNodes</a:t>
-            </a:r>
-            <a:r>
-              <a:rPr lang="en-US" sz="1200" dirty="0">
-                <a:solidFill>
-                  <a:schemeClr val="tx1"/>
-                </a:solidFill>
-              </a:rPr>
-              <a:t>[j].</a:t>
+              <a:t>If node2.addr == nodes[j].</a:t>
             </a:r>
             <a:r>
               <a:rPr lang="en-US" sz="1200" dirty="0" err="1">
@@ -4865,20 +4920,38 @@
           </a:p>
           <a:p>
             <a:r>
+              <a:rPr lang="en-US" sz="1200" dirty="0">
+                <a:solidFill>
+                  <a:schemeClr val="tx1"/>
+                </a:solidFill>
+              </a:rPr>
+              <a:t>nodes[j].</a:t>
+            </a:r>
+            <a:r>
               <a:rPr lang="en-US" sz="1200" dirty="0" err="1">
                 <a:solidFill>
                   <a:schemeClr val="tx1"/>
                 </a:solidFill>
               </a:rPr>
-              <a:t>knownNodes</a:t>
-            </a:r>
-            <a:r>
-              <a:rPr lang="en-US" sz="1200" dirty="0">
-                <a:solidFill>
-                  <a:schemeClr val="tx1"/>
-                </a:solidFill>
-              </a:rPr>
-              <a:t>[j].</a:t>
+              <a:t>adc</a:t>
+            </a:r>
+            <a:r>
+              <a:rPr lang="en-US" sz="1200" dirty="0">
+                <a:solidFill>
+                  <a:schemeClr val="tx1"/>
+                </a:solidFill>
+              </a:rPr>
+              <a:t> = node2.adc</a:t>
+            </a:r>
+          </a:p>
+          <a:p>
+            <a:r>
+              <a:rPr lang="en-US" sz="1200" dirty="0">
+                <a:solidFill>
+                  <a:schemeClr val="tx1"/>
+                </a:solidFill>
+              </a:rPr>
+              <a:t>nodes[j].</a:t>
             </a:r>
             <a:r>
               <a:rPr lang="en-US" sz="1200" dirty="0" err="1">
@@ -4886,40 +4959,6 @@
                   <a:schemeClr val="tx1"/>
                 </a:solidFill>
               </a:rPr>
-              <a:t>adc</a:t>
-            </a:r>
-            <a:r>
-              <a:rPr lang="en-US" sz="1200" dirty="0">
-                <a:solidFill>
-                  <a:schemeClr val="tx1"/>
-                </a:solidFill>
-              </a:rPr>
-              <a:t> = node2.adc</a:t>
-            </a:r>
-          </a:p>
-          <a:p>
-            <a:r>
-              <a:rPr lang="en-US" sz="1200" dirty="0" err="1">
-                <a:solidFill>
-                  <a:schemeClr val="tx1"/>
-                </a:solidFill>
-              </a:rPr>
-              <a:t>knownNodes</a:t>
-            </a:r>
-            <a:r>
-              <a:rPr lang="en-US" sz="1200" dirty="0">
-                <a:solidFill>
-                  <a:schemeClr val="tx1"/>
-                </a:solidFill>
-              </a:rPr>
-              <a:t>[j].</a:t>
-            </a:r>
-            <a:r>
-              <a:rPr lang="en-US" sz="1200" dirty="0" err="1">
-                <a:solidFill>
-                  <a:schemeClr val="tx1"/>
-                </a:solidFill>
-              </a:rPr>
               <a:t>rssi</a:t>
             </a:r>
             <a:r>
@@ -4933,20 +4972,12 @@
           </a:p>
           <a:p>
             <a:r>
-              <a:rPr lang="en-US" sz="1200" dirty="0" err="1">
-                <a:solidFill>
-                  <a:schemeClr val="tx1"/>
-                </a:solidFill>
-              </a:rPr>
-              <a:t>knownNodes</a:t>
-            </a:r>
-            <a:r>
-              <a:rPr lang="en-US" sz="1200" dirty="0">
-                <a:solidFill>
-                  <a:schemeClr val="tx1"/>
-                </a:solidFill>
-              </a:rPr>
-              <a:t>[j].button = node2.button</a:t>
+              <a:rPr lang="en-US" sz="1200" dirty="0">
+                <a:solidFill>
+                  <a:schemeClr val="tx1"/>
+                </a:solidFill>
+              </a:rPr>
+              <a:t>nodes[j].button = node2.button</a:t>
             </a:r>
           </a:p>
           <a:p>
@@ -4980,10 +5011,10 @@
       </p:sp>
       <p:cxnSp>
         <p:nvCxnSpPr>
-          <p:cNvPr id="10" name="Straight Connector 9">
+          <p:cNvPr id="30" name="Straight Connector 29">
             <a:extLst>
               <a:ext uri="{FF2B5EF4-FFF2-40B4-BE49-F238E27FC236}">
-                <a16:creationId xmlns:a16="http://schemas.microsoft.com/office/drawing/2014/main" id="{E1A0209C-C8CD-415E-A9CE-156CBC4B6DDC}"/>
+                <a16:creationId xmlns:a16="http://schemas.microsoft.com/office/drawing/2014/main" id="{738BB791-CC35-4756-82E2-1A203244E42F}"/>
               </a:ext>
             </a:extLst>
           </p:cNvPr>
@@ -4994,8 +5025,8 @@
         </p:nvCxnSpPr>
         <p:spPr>
           <a:xfrm flipV="1">
-            <a:off x="2909455" y="669679"/>
-            <a:ext cx="2223652" cy="33251"/>
+            <a:off x="2327649" y="677964"/>
+            <a:ext cx="2108751" cy="15434"/>
           </a:xfrm>
           <a:prstGeom prst="line">
             <a:avLst/>
@@ -5024,10 +5055,10 @@
       </p:cxnSp>
       <p:sp>
         <p:nvSpPr>
-          <p:cNvPr id="17" name="TextBox 16">
+          <p:cNvPr id="31" name="TextBox 30">
             <a:extLst>
               <a:ext uri="{FF2B5EF4-FFF2-40B4-BE49-F238E27FC236}">
-                <a16:creationId xmlns:a16="http://schemas.microsoft.com/office/drawing/2014/main" id="{D28681A7-EF51-4837-920A-2987BB4798C6}"/>
+                <a16:creationId xmlns:a16="http://schemas.microsoft.com/office/drawing/2014/main" id="{86E1AE32-B2BB-40C8-92E8-C91EEABF8E63}"/>
               </a:ext>
             </a:extLst>
           </p:cNvPr>
@@ -5036,7 +5067,7 @@
         </p:nvSpPr>
         <p:spPr>
           <a:xfrm>
-            <a:off x="4124497" y="364376"/>
+            <a:off x="3365353" y="321592"/>
             <a:ext cx="1185948" cy="338554"/>
           </a:xfrm>
           <a:prstGeom prst="rect">
@@ -5063,10 +5094,10 @@
       </p:sp>
       <p:sp>
         <p:nvSpPr>
-          <p:cNvPr id="18" name="Flowchart: Document 17">
+          <p:cNvPr id="32" name="Flowchart: Document 31">
             <a:extLst>
               <a:ext uri="{FF2B5EF4-FFF2-40B4-BE49-F238E27FC236}">
-                <a16:creationId xmlns:a16="http://schemas.microsoft.com/office/drawing/2014/main" id="{B0C4D2CA-EC65-40E8-B175-96E960B3FB19}"/>
+                <a16:creationId xmlns:a16="http://schemas.microsoft.com/office/drawing/2014/main" id="{54EA6BC5-78B0-45EA-8080-5C20D6185B6B}"/>
               </a:ext>
             </a:extLst>
           </p:cNvPr>
@@ -5075,8 +5106,8 @@
         </p:nvSpPr>
         <p:spPr>
           <a:xfrm>
-            <a:off x="5501638" y="177097"/>
-            <a:ext cx="3408220" cy="1607368"/>
+            <a:off x="4864134" y="457139"/>
+            <a:ext cx="2340345" cy="1556853"/>
           </a:xfrm>
           <a:prstGeom prst="flowChartDocument">
             <a:avLst/>
@@ -5115,24 +5146,13 @@
             </a:endParaRPr>
           </a:p>
           <a:p>
-            <a:pPr marL="228600" indent="-228600">
-              <a:buAutoNum type="arabicPlain"/>
-            </a:pPr>
-            <a:r>
-              <a:rPr lang="en-US" sz="1200" dirty="0">
-                <a:solidFill>
-                  <a:schemeClr val="tx1"/>
-                </a:solidFill>
-              </a:rPr>
-              <a:t>Packet* </a:t>
-            </a:r>
             <a:r>
               <a:rPr lang="en-US" sz="1200" dirty="0" err="1">
                 <a:solidFill>
                   <a:schemeClr val="tx1"/>
                 </a:solidFill>
               </a:rPr>
-              <a:t>latestActiveNode</a:t>
+              <a:t>latestNode</a:t>
             </a:r>
             <a:r>
               <a:rPr lang="en-US" sz="1200" dirty="0">
@@ -5148,7 +5168,7 @@
                   <a:schemeClr val="tx1"/>
                 </a:solidFill>
               </a:rPr>
-              <a:t>packetReceived</a:t>
+              <a:t>nextRFEvent</a:t>
             </a:r>
             <a:r>
               <a:rPr lang="en-US" sz="1200" dirty="0">
@@ -5160,16 +5180,13 @@
             </a:r>
           </a:p>
           <a:p>
-            <a:pPr marL="228600" indent="-228600">
-              <a:buAutoNum type="arabicPlain"/>
-            </a:pPr>
-            <a:r>
-              <a:rPr lang="en-US" sz="1200" dirty="0">
-                <a:solidFill>
-                  <a:schemeClr val="tx1"/>
-                </a:solidFill>
-              </a:rPr>
-              <a:t>if(</a:t>
+            <a:r>
+              <a:rPr lang="en-US" sz="1200" dirty="0">
+                <a:solidFill>
+                  <a:schemeClr val="tx1"/>
+                </a:solidFill>
+              </a:rPr>
+              <a:t>if </a:t>
             </a:r>
             <a:r>
               <a:rPr lang="en-US" sz="1200" dirty="0" err="1">
@@ -5177,15 +5194,25 @@
                   <a:schemeClr val="tx1"/>
                 </a:solidFill>
               </a:rPr>
-              <a:t>isKnownNode</a:t>
-            </a:r>
-            <a:r>
-              <a:rPr lang="en-US" sz="1200" dirty="0">
-                <a:solidFill>
-                  <a:schemeClr val="tx1"/>
-                </a:solidFill>
-              </a:rPr>
-              <a:t> (</a:t>
+              <a:t>latestNode.addr</a:t>
+            </a:r>
+            <a:r>
+              <a:rPr lang="en-US" sz="1200" dirty="0">
+                <a:solidFill>
+                  <a:schemeClr val="tx1"/>
+                </a:solidFill>
+              </a:rPr>
+              <a:t> == known {  </a:t>
+            </a:r>
+          </a:p>
+          <a:p>
+            <a:r>
+              <a:rPr lang="en-US" sz="1200" dirty="0">
+                <a:solidFill>
+                  <a:schemeClr val="tx1"/>
+                </a:solidFill>
+              </a:rPr>
+              <a:t>    </a:t>
             </a:r>
             <a:r>
               <a:rPr lang="en-US" sz="1200" dirty="0" err="1">
@@ -5193,28 +5220,15 @@
                   <a:schemeClr val="tx1"/>
                 </a:solidFill>
               </a:rPr>
-              <a:t>latestActiveNode.addr</a:t>
-            </a:r>
-            <a:r>
-              <a:rPr lang="en-US" sz="1200" dirty="0">
-                <a:solidFill>
-                  <a:schemeClr val="tx1"/>
-                </a:solidFill>
-              </a:rPr>
-              <a:t>)) {  </a:t>
-            </a:r>
-          </a:p>
-          <a:p>
-            <a:pPr marL="228600" indent="-228600">
-              <a:buAutoNum type="arabicPlain"/>
-            </a:pPr>
-            <a:r>
-              <a:rPr lang="en-US" sz="1200" dirty="0">
-                <a:solidFill>
-                  <a:schemeClr val="tx1"/>
-                </a:solidFill>
-              </a:rPr>
-              <a:t>    </a:t>
+              <a:t>updateNode</a:t>
+            </a:r>
+            <a:r>
+              <a:rPr lang="en-US" sz="1200" dirty="0">
+                <a:solidFill>
+                  <a:schemeClr val="tx1"/>
+                </a:solidFill>
+              </a:rPr>
+              <a:t>(&amp;</a:t>
             </a:r>
             <a:r>
               <a:rPr lang="en-US" sz="1200" dirty="0" err="1">
@@ -5222,7 +5236,43 @@
                   <a:schemeClr val="tx1"/>
                 </a:solidFill>
               </a:rPr>
-              <a:t>updateNode</a:t>
+              <a:t>latestNode</a:t>
+            </a:r>
+            <a:r>
+              <a:rPr lang="en-US" sz="1200" dirty="0">
+                <a:solidFill>
+                  <a:schemeClr val="tx1"/>
+                </a:solidFill>
+              </a:rPr>
+              <a:t>);  </a:t>
+            </a:r>
+          </a:p>
+          <a:p>
+            <a:r>
+              <a:rPr lang="en-US" sz="1200" dirty="0">
+                <a:solidFill>
+                  <a:schemeClr val="tx1"/>
+                </a:solidFill>
+              </a:rPr>
+              <a:t> }  else { </a:t>
+            </a:r>
+          </a:p>
+          <a:p>
+            <a:r>
+              <a:rPr lang="en-US" sz="1200" dirty="0">
+                <a:solidFill>
+                  <a:schemeClr val="tx1"/>
+                </a:solidFill>
+              </a:rPr>
+              <a:t>     </a:t>
+            </a:r>
+            <a:r>
+              <a:rPr lang="en-US" sz="1200" dirty="0" err="1">
+                <a:solidFill>
+                  <a:schemeClr val="tx1"/>
+                </a:solidFill>
+              </a:rPr>
+              <a:t>addNewNode</a:t>
             </a:r>
             <a:r>
               <a:rPr lang="en-US" sz="1200" dirty="0">
@@ -5238,65 +5288,7 @@
                   <a:schemeClr val="tx1"/>
                 </a:solidFill>
               </a:rPr>
-              <a:t>latestActiveNode</a:t>
-            </a:r>
-            <a:r>
-              <a:rPr lang="en-US" sz="1200" dirty="0">
-                <a:solidFill>
-                  <a:schemeClr val="tx1"/>
-                </a:solidFill>
-              </a:rPr>
-              <a:t>);  </a:t>
-            </a:r>
-          </a:p>
-          <a:p>
-            <a:pPr marL="228600" indent="-228600">
-              <a:buAutoNum type="arabicPlain"/>
-            </a:pPr>
-            <a:r>
-              <a:rPr lang="en-US" sz="1200" dirty="0">
-                <a:solidFill>
-                  <a:schemeClr val="tx1"/>
-                </a:solidFill>
-              </a:rPr>
-              <a:t> }  else { </a:t>
-            </a:r>
-          </a:p>
-          <a:p>
-            <a:pPr marL="228600" indent="-228600">
-              <a:buAutoNum type="arabicPlain"/>
-            </a:pPr>
-            <a:r>
-              <a:rPr lang="en-US" sz="1200" dirty="0">
-                <a:solidFill>
-                  <a:schemeClr val="tx1"/>
-                </a:solidFill>
-              </a:rPr>
-              <a:t>     </a:t>
-            </a:r>
-            <a:r>
-              <a:rPr lang="en-US" sz="1200" dirty="0" err="1">
-                <a:solidFill>
-                  <a:schemeClr val="tx1"/>
-                </a:solidFill>
-              </a:rPr>
-              <a:t>addNewNode</a:t>
-            </a:r>
-            <a:r>
-              <a:rPr lang="en-US" sz="1200" dirty="0">
-                <a:solidFill>
-                  <a:schemeClr val="tx1"/>
-                </a:solidFill>
-              </a:rPr>
-              <a:t>(&amp;</a:t>
-            </a:r>
-            <a:r>
-              <a:rPr lang="en-US" sz="1200" dirty="0" err="1">
-                <a:solidFill>
-                  <a:schemeClr val="tx1"/>
-                </a:solidFill>
-              </a:rPr>
-              <a:t>latestActiveNode</a:t>
+              <a:t>latestNode</a:t>
             </a:r>
             <a:r>
               <a:rPr lang="en-US" sz="1200" dirty="0">
@@ -5308,40 +5300,36 @@
             </a:r>
           </a:p>
           <a:p>
-            <a:pPr marL="228600" indent="-228600">
-              <a:buAutoNum type="arabicPlain"/>
-            </a:pPr>
-            <a:r>
-              <a:rPr lang="en-US" sz="1200" dirty="0">
-                <a:solidFill>
-                  <a:schemeClr val="tx1"/>
-                </a:solidFill>
-              </a:rPr>
-              <a:t> }  </a:t>
+            <a:r>
+              <a:rPr lang="en-US" sz="1200" dirty="0">
+                <a:solidFill>
+                  <a:schemeClr val="tx1"/>
+                </a:solidFill>
+              </a:rPr>
+              <a:t>}  </a:t>
             </a:r>
           </a:p>
         </p:txBody>
       </p:sp>
       <p:cxnSp>
         <p:nvCxnSpPr>
-          <p:cNvPr id="13" name="Straight Arrow Connector 12">
+          <p:cNvPr id="33" name="Straight Arrow Connector 32">
             <a:extLst>
               <a:ext uri="{FF2B5EF4-FFF2-40B4-BE49-F238E27FC236}">
-                <a16:creationId xmlns:a16="http://schemas.microsoft.com/office/drawing/2014/main" id="{7FB2A926-683E-4B0A-9A35-EF9EAED66C3B}"/>
+                <a16:creationId xmlns:a16="http://schemas.microsoft.com/office/drawing/2014/main" id="{D265CAAA-40FB-42E7-9956-C17E71A043DA}"/>
               </a:ext>
             </a:extLst>
           </p:cNvPr>
           <p:cNvCxnSpPr>
             <a:cxnSpLocks/>
-            <a:stCxn id="18" idx="2"/>
-            <a:endCxn id="20" idx="0"/>
+            <a:stCxn id="32" idx="2"/>
           </p:cNvCxnSpPr>
           <p:nvPr/>
         </p:nvCxnSpPr>
         <p:spPr>
           <a:xfrm>
-            <a:off x="7205748" y="1678200"/>
-            <a:ext cx="0" cy="630473"/>
+            <a:off x="6034307" y="1911067"/>
+            <a:ext cx="0" cy="775954"/>
           </a:xfrm>
           <a:prstGeom prst="straightConnector1">
             <a:avLst/>
@@ -5370,10 +5358,10 @@
       </p:cxnSp>
       <p:sp>
         <p:nvSpPr>
-          <p:cNvPr id="23" name="TextBox 22">
+          <p:cNvPr id="34" name="TextBox 33">
             <a:extLst>
               <a:ext uri="{FF2B5EF4-FFF2-40B4-BE49-F238E27FC236}">
-                <a16:creationId xmlns:a16="http://schemas.microsoft.com/office/drawing/2014/main" id="{6BE8990E-BF89-4CAF-A8EA-D72B15954A42}"/>
+                <a16:creationId xmlns:a16="http://schemas.microsoft.com/office/drawing/2014/main" id="{1EE57158-1274-45C7-806C-97DD7508C878}"/>
               </a:ext>
             </a:extLst>
           </p:cNvPr>
@@ -5382,7 +5370,7 @@
         </p:nvSpPr>
         <p:spPr>
           <a:xfrm>
-            <a:off x="5723311" y="143845"/>
+            <a:off x="5085808" y="423887"/>
             <a:ext cx="1185948" cy="338554"/>
           </a:xfrm>
           <a:prstGeom prst="rect">
@@ -5409,10 +5397,10 @@
       </p:sp>
       <p:sp>
         <p:nvSpPr>
-          <p:cNvPr id="27" name="TextBox 26">
+          <p:cNvPr id="35" name="TextBox 34">
             <a:extLst>
               <a:ext uri="{FF2B5EF4-FFF2-40B4-BE49-F238E27FC236}">
-                <a16:creationId xmlns:a16="http://schemas.microsoft.com/office/drawing/2014/main" id="{9E59C91D-4185-4CAD-9CAA-AC809C1E820F}"/>
+                <a16:creationId xmlns:a16="http://schemas.microsoft.com/office/drawing/2014/main" id="{4A2CE1EF-8A89-46D1-9093-40C2B9CD4CF1}"/>
               </a:ext>
             </a:extLst>
           </p:cNvPr>
@@ -5421,7 +5409,7 @@
         </p:nvSpPr>
         <p:spPr>
           <a:xfrm>
-            <a:off x="5501638" y="3452173"/>
+            <a:off x="5044096" y="3587369"/>
             <a:ext cx="1185949" cy="338554"/>
           </a:xfrm>
           <a:prstGeom prst="rect">
